--- a/PPTs/[Report_p2] Tx Driver - Voltage Mode.pptx
+++ b/PPTs/[Report_p2] Tx Driver - Voltage Mode.pptx
@@ -171,6 +171,1128 @@
 <file path=ppt/changesInfos/changesInfo1.xml><?xml version="1.0" encoding="utf-8"?>
 <pc:chgInfo xmlns:a="http://schemas.openxmlformats.org/drawingml/2006/main" xmlns:r="http://schemas.openxmlformats.org/officeDocument/2006/relationships" xmlns:ac="http://schemas.microsoft.com/office/drawing/2013/main/command" xmlns:pc="http://schemas.microsoft.com/office/powerpoint/2013/main/command">
   <pc:docChgLst>
+    <pc:chgData name="Aldacher, Muhammad" userId="12bec936-7d77-4747-ae5c-755e57d88fa4" providerId="ADAL" clId="{B75947F4-66F3-4329-8B64-42C8055B8AF2}"/>
+    <pc:docChg chg="undo redo custSel addSld delSld modSld sldOrd addSection modSection">
+      <pc:chgData name="Aldacher, Muhammad" userId="12bec936-7d77-4747-ae5c-755e57d88fa4" providerId="ADAL" clId="{B75947F4-66F3-4329-8B64-42C8055B8AF2}" dt="2024-11-26T00:16:03.870" v="2378" actId="688"/>
+      <pc:docMkLst>
+        <pc:docMk/>
+      </pc:docMkLst>
+      <pc:sldChg chg="modSp new mod">
+        <pc:chgData name="Aldacher, Muhammad" userId="12bec936-7d77-4747-ae5c-755e57d88fa4" providerId="ADAL" clId="{B75947F4-66F3-4329-8B64-42C8055B8AF2}" dt="2024-11-23T16:26:27.993" v="22" actId="20577"/>
+        <pc:sldMkLst>
+          <pc:docMk/>
+          <pc:sldMk cId="39898455" sldId="256"/>
+        </pc:sldMkLst>
+        <pc:spChg chg="mod">
+          <ac:chgData name="Aldacher, Muhammad" userId="12bec936-7d77-4747-ae5c-755e57d88fa4" providerId="ADAL" clId="{B75947F4-66F3-4329-8B64-42C8055B8AF2}" dt="2024-11-23T16:26:23.631" v="16" actId="20577"/>
+          <ac:spMkLst>
+            <pc:docMk/>
+            <pc:sldMk cId="39898455" sldId="256"/>
+            <ac:spMk id="2" creationId="{99874354-0B93-9A50-DDB4-408E2D577F59}"/>
+          </ac:spMkLst>
+        </pc:spChg>
+        <pc:spChg chg="mod">
+          <ac:chgData name="Aldacher, Muhammad" userId="12bec936-7d77-4747-ae5c-755e57d88fa4" providerId="ADAL" clId="{B75947F4-66F3-4329-8B64-42C8055B8AF2}" dt="2024-11-23T16:26:27.993" v="22" actId="20577"/>
+          <ac:spMkLst>
+            <pc:docMk/>
+            <pc:sldMk cId="39898455" sldId="256"/>
+            <ac:spMk id="3" creationId="{F80AE422-FE27-280F-768A-41FBE76BB72D}"/>
+          </ac:spMkLst>
+        </pc:spChg>
+      </pc:sldChg>
+      <pc:sldChg chg="addSp delSp modSp new mod">
+        <pc:chgData name="Aldacher, Muhammad" userId="12bec936-7d77-4747-ae5c-755e57d88fa4" providerId="ADAL" clId="{B75947F4-66F3-4329-8B64-42C8055B8AF2}" dt="2024-11-24T19:27:43.838" v="1297" actId="20577"/>
+        <pc:sldMkLst>
+          <pc:docMk/>
+          <pc:sldMk cId="1180650417" sldId="257"/>
+        </pc:sldMkLst>
+        <pc:spChg chg="mod">
+          <ac:chgData name="Aldacher, Muhammad" userId="12bec936-7d77-4747-ae5c-755e57d88fa4" providerId="ADAL" clId="{B75947F4-66F3-4329-8B64-42C8055B8AF2}" dt="2024-11-23T17:11:55.529" v="112" actId="14100"/>
+          <ac:spMkLst>
+            <pc:docMk/>
+            <pc:sldMk cId="1180650417" sldId="257"/>
+            <ac:spMk id="2" creationId="{64DD59C5-A4BF-A490-983B-C920A8891AB5}"/>
+          </ac:spMkLst>
+        </pc:spChg>
+        <pc:spChg chg="del">
+          <ac:chgData name="Aldacher, Muhammad" userId="12bec936-7d77-4747-ae5c-755e57d88fa4" providerId="ADAL" clId="{B75947F4-66F3-4329-8B64-42C8055B8AF2}" dt="2024-11-23T16:28:49.661" v="23" actId="22"/>
+          <ac:spMkLst>
+            <pc:docMk/>
+            <pc:sldMk cId="1180650417" sldId="257"/>
+            <ac:spMk id="3" creationId="{3B7C8E10-20DE-DA03-FE58-8F67934E293D}"/>
+          </ac:spMkLst>
+        </pc:spChg>
+        <pc:spChg chg="add mod">
+          <ac:chgData name="Aldacher, Muhammad" userId="12bec936-7d77-4747-ae5c-755e57d88fa4" providerId="ADAL" clId="{B75947F4-66F3-4329-8B64-42C8055B8AF2}" dt="2024-11-23T20:44:04.988" v="1157" actId="1076"/>
+          <ac:spMkLst>
+            <pc:docMk/>
+            <pc:sldMk cId="1180650417" sldId="257"/>
+            <ac:spMk id="10" creationId="{B685DF61-119D-62F1-B287-7321FC96AB57}"/>
+          </ac:spMkLst>
+        </pc:spChg>
+        <pc:spChg chg="add mod">
+          <ac:chgData name="Aldacher, Muhammad" userId="12bec936-7d77-4747-ae5c-755e57d88fa4" providerId="ADAL" clId="{B75947F4-66F3-4329-8B64-42C8055B8AF2}" dt="2024-11-24T19:27:43.838" v="1297" actId="20577"/>
+          <ac:spMkLst>
+            <pc:docMk/>
+            <pc:sldMk cId="1180650417" sldId="257"/>
+            <ac:spMk id="14" creationId="{83F8B368-75D9-1878-9FC6-BAC66BD48AC5}"/>
+          </ac:spMkLst>
+        </pc:spChg>
+        <pc:picChg chg="add mod ord">
+          <ac:chgData name="Aldacher, Muhammad" userId="12bec936-7d77-4747-ae5c-755e57d88fa4" providerId="ADAL" clId="{B75947F4-66F3-4329-8B64-42C8055B8AF2}" dt="2024-11-23T17:11:46.100" v="110" actId="1076"/>
+          <ac:picMkLst>
+            <pc:docMk/>
+            <pc:sldMk cId="1180650417" sldId="257"/>
+            <ac:picMk id="5" creationId="{EB66EBDF-C300-ED0C-26E2-BF7559969D7F}"/>
+          </ac:picMkLst>
+        </pc:picChg>
+        <pc:cxnChg chg="add mod">
+          <ac:chgData name="Aldacher, Muhammad" userId="12bec936-7d77-4747-ae5c-755e57d88fa4" providerId="ADAL" clId="{B75947F4-66F3-4329-8B64-42C8055B8AF2}" dt="2024-11-23T20:44:04.988" v="1157" actId="1076"/>
+          <ac:cxnSpMkLst>
+            <pc:docMk/>
+            <pc:sldMk cId="1180650417" sldId="257"/>
+            <ac:cxnSpMk id="7" creationId="{EB219F9A-CC8B-E700-F018-FF2788317A67}"/>
+          </ac:cxnSpMkLst>
+        </pc:cxnChg>
+        <pc:cxnChg chg="add mod">
+          <ac:chgData name="Aldacher, Muhammad" userId="12bec936-7d77-4747-ae5c-755e57d88fa4" providerId="ADAL" clId="{B75947F4-66F3-4329-8B64-42C8055B8AF2}" dt="2024-11-24T06:13:39.485" v="1159" actId="14100"/>
+          <ac:cxnSpMkLst>
+            <pc:docMk/>
+            <pc:sldMk cId="1180650417" sldId="257"/>
+            <ac:cxnSpMk id="12" creationId="{F5D63C04-7090-3BB0-9E46-B57293F1AE85}"/>
+          </ac:cxnSpMkLst>
+        </pc:cxnChg>
+      </pc:sldChg>
+      <pc:sldChg chg="addSp delSp modSp new mod">
+        <pc:chgData name="Aldacher, Muhammad" userId="12bec936-7d77-4747-ae5c-755e57d88fa4" providerId="ADAL" clId="{B75947F4-66F3-4329-8B64-42C8055B8AF2}" dt="2024-11-24T21:55:38.578" v="1927" actId="1036"/>
+        <pc:sldMkLst>
+          <pc:docMk/>
+          <pc:sldMk cId="2632519550" sldId="258"/>
+        </pc:sldMkLst>
+        <pc:spChg chg="mod">
+          <ac:chgData name="Aldacher, Muhammad" userId="12bec936-7d77-4747-ae5c-755e57d88fa4" providerId="ADAL" clId="{B75947F4-66F3-4329-8B64-42C8055B8AF2}" dt="2024-11-23T16:32:16.084" v="69" actId="20577"/>
+          <ac:spMkLst>
+            <pc:docMk/>
+            <pc:sldMk cId="2632519550" sldId="258"/>
+            <ac:spMk id="2" creationId="{23CA67C0-232D-3138-4FC9-B91C8715ED98}"/>
+          </ac:spMkLst>
+        </pc:spChg>
+        <pc:spChg chg="del">
+          <ac:chgData name="Aldacher, Muhammad" userId="12bec936-7d77-4747-ae5c-755e57d88fa4" providerId="ADAL" clId="{B75947F4-66F3-4329-8B64-42C8055B8AF2}" dt="2024-11-23T16:53:29.269" v="72" actId="22"/>
+          <ac:spMkLst>
+            <pc:docMk/>
+            <pc:sldMk cId="2632519550" sldId="258"/>
+            <ac:spMk id="3" creationId="{68D9EEC1-B558-7B98-929C-938AB5F7CED0}"/>
+          </ac:spMkLst>
+        </pc:spChg>
+        <pc:spChg chg="add del">
+          <ac:chgData name="Aldacher, Muhammad" userId="12bec936-7d77-4747-ae5c-755e57d88fa4" providerId="ADAL" clId="{B75947F4-66F3-4329-8B64-42C8055B8AF2}" dt="2024-11-23T16:43:07.580" v="71" actId="478"/>
+          <ac:spMkLst>
+            <pc:docMk/>
+            <pc:sldMk cId="2632519550" sldId="258"/>
+            <ac:spMk id="5" creationId="{9D016EF1-04E7-30D2-A393-0E5078D4801C}"/>
+          </ac:spMkLst>
+        </pc:spChg>
+        <pc:spChg chg="add mod">
+          <ac:chgData name="Aldacher, Muhammad" userId="12bec936-7d77-4747-ae5c-755e57d88fa4" providerId="ADAL" clId="{B75947F4-66F3-4329-8B64-42C8055B8AF2}" dt="2024-11-23T17:57:35.237" v="893" actId="1037"/>
+          <ac:spMkLst>
+            <pc:docMk/>
+            <pc:sldMk cId="2632519550" sldId="258"/>
+            <ac:spMk id="10" creationId="{D3F90230-1009-0EFF-976A-9CABB562BE96}"/>
+          </ac:spMkLst>
+        </pc:spChg>
+        <pc:spChg chg="add mod">
+          <ac:chgData name="Aldacher, Muhammad" userId="12bec936-7d77-4747-ae5c-755e57d88fa4" providerId="ADAL" clId="{B75947F4-66F3-4329-8B64-42C8055B8AF2}" dt="2024-11-23T17:57:35.237" v="893" actId="1037"/>
+          <ac:spMkLst>
+            <pc:docMk/>
+            <pc:sldMk cId="2632519550" sldId="258"/>
+            <ac:spMk id="11" creationId="{C365C516-3A0E-E562-1A6E-EE53F94A8419}"/>
+          </ac:spMkLst>
+        </pc:spChg>
+        <pc:spChg chg="add mod">
+          <ac:chgData name="Aldacher, Muhammad" userId="12bec936-7d77-4747-ae5c-755e57d88fa4" providerId="ADAL" clId="{B75947F4-66F3-4329-8B64-42C8055B8AF2}" dt="2024-11-24T19:23:54.787" v="1242" actId="1035"/>
+          <ac:spMkLst>
+            <pc:docMk/>
+            <pc:sldMk cId="2632519550" sldId="258"/>
+            <ac:spMk id="12" creationId="{F01B7038-3147-A25B-6CD9-BBBE63D8DEA5}"/>
+          </ac:spMkLst>
+        </pc:spChg>
+        <pc:spChg chg="add mod">
+          <ac:chgData name="Aldacher, Muhammad" userId="12bec936-7d77-4747-ae5c-755e57d88fa4" providerId="ADAL" clId="{B75947F4-66F3-4329-8B64-42C8055B8AF2}" dt="2024-11-23T17:57:35.237" v="893" actId="1037"/>
+          <ac:spMkLst>
+            <pc:docMk/>
+            <pc:sldMk cId="2632519550" sldId="258"/>
+            <ac:spMk id="13" creationId="{B7096306-994C-BDAF-7645-8EF2B70A1F06}"/>
+          </ac:spMkLst>
+        </pc:spChg>
+        <pc:spChg chg="add mod">
+          <ac:chgData name="Aldacher, Muhammad" userId="12bec936-7d77-4747-ae5c-755e57d88fa4" providerId="ADAL" clId="{B75947F4-66F3-4329-8B64-42C8055B8AF2}" dt="2024-11-23T17:57:35.237" v="893" actId="1037"/>
+          <ac:spMkLst>
+            <pc:docMk/>
+            <pc:sldMk cId="2632519550" sldId="258"/>
+            <ac:spMk id="14" creationId="{6CA314A7-6246-6ADF-DF4B-05E3842424B3}"/>
+          </ac:spMkLst>
+        </pc:spChg>
+        <pc:spChg chg="add mod">
+          <ac:chgData name="Aldacher, Muhammad" userId="12bec936-7d77-4747-ae5c-755e57d88fa4" providerId="ADAL" clId="{B75947F4-66F3-4329-8B64-42C8055B8AF2}" dt="2024-11-23T17:57:35.237" v="893" actId="1037"/>
+          <ac:spMkLst>
+            <pc:docMk/>
+            <pc:sldMk cId="2632519550" sldId="258"/>
+            <ac:spMk id="15" creationId="{89B562AA-4928-AC81-A00D-51737D448CC7}"/>
+          </ac:spMkLst>
+        </pc:spChg>
+        <pc:spChg chg="add mod">
+          <ac:chgData name="Aldacher, Muhammad" userId="12bec936-7d77-4747-ae5c-755e57d88fa4" providerId="ADAL" clId="{B75947F4-66F3-4329-8B64-42C8055B8AF2}" dt="2024-11-23T17:57:35.237" v="893" actId="1037"/>
+          <ac:spMkLst>
+            <pc:docMk/>
+            <pc:sldMk cId="2632519550" sldId="258"/>
+            <ac:spMk id="16" creationId="{C12EF20D-227D-4093-0FAD-1C9E0D344958}"/>
+          </ac:spMkLst>
+        </pc:spChg>
+        <pc:spChg chg="add mod">
+          <ac:chgData name="Aldacher, Muhammad" userId="12bec936-7d77-4747-ae5c-755e57d88fa4" providerId="ADAL" clId="{B75947F4-66F3-4329-8B64-42C8055B8AF2}" dt="2024-11-24T19:23:54.787" v="1242" actId="1035"/>
+          <ac:spMkLst>
+            <pc:docMk/>
+            <pc:sldMk cId="2632519550" sldId="258"/>
+            <ac:spMk id="17" creationId="{49DABE66-A631-48F0-617C-30C1A7667EEB}"/>
+          </ac:spMkLst>
+        </pc:spChg>
+        <pc:spChg chg="add mod">
+          <ac:chgData name="Aldacher, Muhammad" userId="12bec936-7d77-4747-ae5c-755e57d88fa4" providerId="ADAL" clId="{B75947F4-66F3-4329-8B64-42C8055B8AF2}" dt="2024-11-24T19:23:54.787" v="1242" actId="1035"/>
+          <ac:spMkLst>
+            <pc:docMk/>
+            <pc:sldMk cId="2632519550" sldId="258"/>
+            <ac:spMk id="18" creationId="{0F85274C-F4F5-193E-1656-670D001FC3DA}"/>
+          </ac:spMkLst>
+        </pc:spChg>
+        <pc:spChg chg="add mod">
+          <ac:chgData name="Aldacher, Muhammad" userId="12bec936-7d77-4747-ae5c-755e57d88fa4" providerId="ADAL" clId="{B75947F4-66F3-4329-8B64-42C8055B8AF2}" dt="2024-11-24T21:55:05.756" v="1895" actId="255"/>
+          <ac:spMkLst>
+            <pc:docMk/>
+            <pc:sldMk cId="2632519550" sldId="258"/>
+            <ac:spMk id="19" creationId="{523E3E88-EE48-E39A-41ED-0064B18B6BB7}"/>
+          </ac:spMkLst>
+        </pc:spChg>
+        <pc:spChg chg="add mod">
+          <ac:chgData name="Aldacher, Muhammad" userId="12bec936-7d77-4747-ae5c-755e57d88fa4" providerId="ADAL" clId="{B75947F4-66F3-4329-8B64-42C8055B8AF2}" dt="2024-11-24T21:55:38.578" v="1927" actId="1036"/>
+          <ac:spMkLst>
+            <pc:docMk/>
+            <pc:sldMk cId="2632519550" sldId="258"/>
+            <ac:spMk id="21" creationId="{A8E9F08D-25D5-9D8B-7A52-36E2D65FF9D0}"/>
+          </ac:spMkLst>
+        </pc:spChg>
+        <pc:picChg chg="add mod ord">
+          <ac:chgData name="Aldacher, Muhammad" userId="12bec936-7d77-4747-ae5c-755e57d88fa4" providerId="ADAL" clId="{B75947F4-66F3-4329-8B64-42C8055B8AF2}" dt="2024-11-23T17:57:35.237" v="893" actId="1037"/>
+          <ac:picMkLst>
+            <pc:docMk/>
+            <pc:sldMk cId="2632519550" sldId="258"/>
+            <ac:picMk id="7" creationId="{889E98F7-A7EA-3C67-339E-359BFCEC270D}"/>
+          </ac:picMkLst>
+        </pc:picChg>
+        <pc:picChg chg="add del mod">
+          <ac:chgData name="Aldacher, Muhammad" userId="12bec936-7d77-4747-ae5c-755e57d88fa4" providerId="ADAL" clId="{B75947F4-66F3-4329-8B64-42C8055B8AF2}" dt="2024-11-23T17:04:37.032" v="95" actId="478"/>
+          <ac:picMkLst>
+            <pc:docMk/>
+            <pc:sldMk cId="2632519550" sldId="258"/>
+            <ac:picMk id="9" creationId="{71E4F3C4-4024-BE79-339E-D1D6776C33E3}"/>
+          </ac:picMkLst>
+        </pc:picChg>
+      </pc:sldChg>
+      <pc:sldChg chg="addSp delSp modSp add mod">
+        <pc:chgData name="Aldacher, Muhammad" userId="12bec936-7d77-4747-ae5c-755e57d88fa4" providerId="ADAL" clId="{B75947F4-66F3-4329-8B64-42C8055B8AF2}" dt="2024-11-24T21:55:45.081" v="1937" actId="1036"/>
+        <pc:sldMkLst>
+          <pc:docMk/>
+          <pc:sldMk cId="1037584795" sldId="259"/>
+        </pc:sldMkLst>
+        <pc:spChg chg="mod">
+          <ac:chgData name="Aldacher, Muhammad" userId="12bec936-7d77-4747-ae5c-755e57d88fa4" providerId="ADAL" clId="{B75947F4-66F3-4329-8B64-42C8055B8AF2}" dt="2024-11-23T17:11:25.209" v="103" actId="20577"/>
+          <ac:spMkLst>
+            <pc:docMk/>
+            <pc:sldMk cId="1037584795" sldId="259"/>
+            <ac:spMk id="2" creationId="{23CA67C0-232D-3138-4FC9-B91C8715ED98}"/>
+          </ac:spMkLst>
+        </pc:spChg>
+        <pc:spChg chg="add del mod">
+          <ac:chgData name="Aldacher, Muhammad" userId="12bec936-7d77-4747-ae5c-755e57d88fa4" providerId="ADAL" clId="{B75947F4-66F3-4329-8B64-42C8055B8AF2}" dt="2024-11-23T17:04:44.107" v="98" actId="478"/>
+          <ac:spMkLst>
+            <pc:docMk/>
+            <pc:sldMk cId="1037584795" sldId="259"/>
+            <ac:spMk id="4" creationId="{C1C9AE5E-D934-B1D8-D68B-B4D45705C32A}"/>
+          </ac:spMkLst>
+        </pc:spChg>
+        <pc:spChg chg="add mod">
+          <ac:chgData name="Aldacher, Muhammad" userId="12bec936-7d77-4747-ae5c-755e57d88fa4" providerId="ADAL" clId="{B75947F4-66F3-4329-8B64-42C8055B8AF2}" dt="2024-11-23T17:57:22.025" v="873" actId="1037"/>
+          <ac:spMkLst>
+            <pc:docMk/>
+            <pc:sldMk cId="1037584795" sldId="259"/>
+            <ac:spMk id="6" creationId="{7C35E328-E400-4D89-CA09-37E45EA7F7D3}"/>
+          </ac:spMkLst>
+        </pc:spChg>
+        <pc:spChg chg="add mod">
+          <ac:chgData name="Aldacher, Muhammad" userId="12bec936-7d77-4747-ae5c-755e57d88fa4" providerId="ADAL" clId="{B75947F4-66F3-4329-8B64-42C8055B8AF2}" dt="2024-11-23T17:19:19.596" v="213"/>
+          <ac:spMkLst>
+            <pc:docMk/>
+            <pc:sldMk cId="1037584795" sldId="259"/>
+            <ac:spMk id="8" creationId="{E6341E3D-1352-E56B-283E-548196C203C6}"/>
+          </ac:spMkLst>
+        </pc:spChg>
+        <pc:spChg chg="add mod">
+          <ac:chgData name="Aldacher, Muhammad" userId="12bec936-7d77-4747-ae5c-755e57d88fa4" providerId="ADAL" clId="{B75947F4-66F3-4329-8B64-42C8055B8AF2}" dt="2024-11-23T17:57:22.025" v="873" actId="1037"/>
+          <ac:spMkLst>
+            <pc:docMk/>
+            <pc:sldMk cId="1037584795" sldId="259"/>
+            <ac:spMk id="10" creationId="{B0933739-4E89-377A-93B1-6C395339B220}"/>
+          </ac:spMkLst>
+        </pc:spChg>
+        <pc:spChg chg="add mod">
+          <ac:chgData name="Aldacher, Muhammad" userId="12bec936-7d77-4747-ae5c-755e57d88fa4" providerId="ADAL" clId="{B75947F4-66F3-4329-8B64-42C8055B8AF2}" dt="2024-11-23T17:57:22.025" v="873" actId="1037"/>
+          <ac:spMkLst>
+            <pc:docMk/>
+            <pc:sldMk cId="1037584795" sldId="259"/>
+            <ac:spMk id="11" creationId="{4105C19A-6689-087D-D0C9-87EECA7520AF}"/>
+          </ac:spMkLst>
+        </pc:spChg>
+        <pc:spChg chg="add mod">
+          <ac:chgData name="Aldacher, Muhammad" userId="12bec936-7d77-4747-ae5c-755e57d88fa4" providerId="ADAL" clId="{B75947F4-66F3-4329-8B64-42C8055B8AF2}" dt="2024-11-23T17:57:22.025" v="873" actId="1037"/>
+          <ac:spMkLst>
+            <pc:docMk/>
+            <pc:sldMk cId="1037584795" sldId="259"/>
+            <ac:spMk id="12" creationId="{D290E5DB-9AD7-99B3-362A-B945DE76A8D2}"/>
+          </ac:spMkLst>
+        </pc:spChg>
+        <pc:spChg chg="add mod">
+          <ac:chgData name="Aldacher, Muhammad" userId="12bec936-7d77-4747-ae5c-755e57d88fa4" providerId="ADAL" clId="{B75947F4-66F3-4329-8B64-42C8055B8AF2}" dt="2024-11-23T17:57:22.025" v="873" actId="1037"/>
+          <ac:spMkLst>
+            <pc:docMk/>
+            <pc:sldMk cId="1037584795" sldId="259"/>
+            <ac:spMk id="13" creationId="{154C9D94-819D-F5C1-EADC-1155063E1FC3}"/>
+          </ac:spMkLst>
+        </pc:spChg>
+        <pc:spChg chg="add del mod">
+          <ac:chgData name="Aldacher, Muhammad" userId="12bec936-7d77-4747-ae5c-755e57d88fa4" providerId="ADAL" clId="{B75947F4-66F3-4329-8B64-42C8055B8AF2}" dt="2024-11-23T19:16:01.457" v="1141" actId="21"/>
+          <ac:spMkLst>
+            <pc:docMk/>
+            <pc:sldMk cId="1037584795" sldId="259"/>
+            <ac:spMk id="14" creationId="{03373C51-A818-E6B7-1928-B2B2A908EB97}"/>
+          </ac:spMkLst>
+        </pc:spChg>
+        <pc:spChg chg="add del mod">
+          <ac:chgData name="Aldacher, Muhammad" userId="12bec936-7d77-4747-ae5c-755e57d88fa4" providerId="ADAL" clId="{B75947F4-66F3-4329-8B64-42C8055B8AF2}" dt="2024-11-23T17:32:04.761" v="402" actId="478"/>
+          <ac:spMkLst>
+            <pc:docMk/>
+            <pc:sldMk cId="1037584795" sldId="259"/>
+            <ac:spMk id="15" creationId="{42BCCD40-957F-DFB7-D047-54FF76E11586}"/>
+          </ac:spMkLst>
+        </pc:spChg>
+        <pc:spChg chg="add del mod">
+          <ac:chgData name="Aldacher, Muhammad" userId="12bec936-7d77-4747-ae5c-755e57d88fa4" providerId="ADAL" clId="{B75947F4-66F3-4329-8B64-42C8055B8AF2}" dt="2024-11-23T17:32:04.761" v="402" actId="478"/>
+          <ac:spMkLst>
+            <pc:docMk/>
+            <pc:sldMk cId="1037584795" sldId="259"/>
+            <ac:spMk id="16" creationId="{153E0713-C8F6-F151-FCAA-3BE2288140CF}"/>
+          </ac:spMkLst>
+        </pc:spChg>
+        <pc:spChg chg="add mod">
+          <ac:chgData name="Aldacher, Muhammad" userId="12bec936-7d77-4747-ae5c-755e57d88fa4" providerId="ADAL" clId="{B75947F4-66F3-4329-8B64-42C8055B8AF2}" dt="2024-11-24T19:26:04.630" v="1290" actId="20577"/>
+          <ac:spMkLst>
+            <pc:docMk/>
+            <pc:sldMk cId="1037584795" sldId="259"/>
+            <ac:spMk id="17" creationId="{C79FD6BE-7559-0C59-0868-CB9C686E02C7}"/>
+          </ac:spMkLst>
+        </pc:spChg>
+        <pc:spChg chg="add mod">
+          <ac:chgData name="Aldacher, Muhammad" userId="12bec936-7d77-4747-ae5c-755e57d88fa4" providerId="ADAL" clId="{B75947F4-66F3-4329-8B64-42C8055B8AF2}" dt="2024-11-24T19:25:50.645" v="1282" actId="20577"/>
+          <ac:spMkLst>
+            <pc:docMk/>
+            <pc:sldMk cId="1037584795" sldId="259"/>
+            <ac:spMk id="18" creationId="{F0CA5458-21C0-1C54-BCA7-1F0F07DD159A}"/>
+          </ac:spMkLst>
+        </pc:spChg>
+        <pc:spChg chg="add mod">
+          <ac:chgData name="Aldacher, Muhammad" userId="12bec936-7d77-4747-ae5c-755e57d88fa4" providerId="ADAL" clId="{B75947F4-66F3-4329-8B64-42C8055B8AF2}" dt="2024-11-24T19:29:59.993" v="1366" actId="20577"/>
+          <ac:spMkLst>
+            <pc:docMk/>
+            <pc:sldMk cId="1037584795" sldId="259"/>
+            <ac:spMk id="19" creationId="{C48AF4D2-5249-209B-B192-B8719944812F}"/>
+          </ac:spMkLst>
+        </pc:spChg>
+        <pc:spChg chg="add mod">
+          <ac:chgData name="Aldacher, Muhammad" userId="12bec936-7d77-4747-ae5c-755e57d88fa4" providerId="ADAL" clId="{B75947F4-66F3-4329-8B64-42C8055B8AF2}" dt="2024-11-24T21:55:45.081" v="1937" actId="1036"/>
+          <ac:spMkLst>
+            <pc:docMk/>
+            <pc:sldMk cId="1037584795" sldId="259"/>
+            <ac:spMk id="20" creationId="{44FE3F0F-70B4-92A4-3F73-50FF4B63A771}"/>
+          </ac:spMkLst>
+        </pc:spChg>
+        <pc:spChg chg="add del mod">
+          <ac:chgData name="Aldacher, Muhammad" userId="12bec936-7d77-4747-ae5c-755e57d88fa4" providerId="ADAL" clId="{B75947F4-66F3-4329-8B64-42C8055B8AF2}" dt="2024-11-24T06:15:25.930" v="1160" actId="478"/>
+          <ac:spMkLst>
+            <pc:docMk/>
+            <pc:sldMk cId="1037584795" sldId="259"/>
+            <ac:spMk id="21" creationId="{5382CE3F-55F4-C0A1-B12B-B6EE5A3651DE}"/>
+          </ac:spMkLst>
+        </pc:spChg>
+        <pc:spChg chg="add mod">
+          <ac:chgData name="Aldacher, Muhammad" userId="12bec936-7d77-4747-ae5c-755e57d88fa4" providerId="ADAL" clId="{B75947F4-66F3-4329-8B64-42C8055B8AF2}" dt="2024-11-23T19:16:01.834" v="1142"/>
+          <ac:spMkLst>
+            <pc:docMk/>
+            <pc:sldMk cId="1037584795" sldId="259"/>
+            <ac:spMk id="22" creationId="{03373C51-A818-E6B7-1928-B2B2A908EB97}"/>
+          </ac:spMkLst>
+        </pc:spChg>
+        <pc:spChg chg="add del mod topLvl">
+          <ac:chgData name="Aldacher, Muhammad" userId="12bec936-7d77-4747-ae5c-755e57d88fa4" providerId="ADAL" clId="{B75947F4-66F3-4329-8B64-42C8055B8AF2}" dt="2024-11-24T19:23:58.771" v="1245" actId="478"/>
+          <ac:spMkLst>
+            <pc:docMk/>
+            <pc:sldMk cId="1037584795" sldId="259"/>
+            <ac:spMk id="23" creationId="{60533549-50C4-651F-22D8-616C84C28385}"/>
+          </ac:spMkLst>
+        </pc:spChg>
+        <pc:grpChg chg="add del mod ord">
+          <ac:chgData name="Aldacher, Muhammad" userId="12bec936-7d77-4747-ae5c-755e57d88fa4" providerId="ADAL" clId="{B75947F4-66F3-4329-8B64-42C8055B8AF2}" dt="2024-11-24T19:23:58.771" v="1245" actId="478"/>
+          <ac:grpSpMkLst>
+            <pc:docMk/>
+            <pc:sldMk cId="1037584795" sldId="259"/>
+            <ac:grpSpMk id="24" creationId="{C8267F08-46D1-0749-834D-01B8A94B91CF}"/>
+          </ac:grpSpMkLst>
+        </pc:grpChg>
+        <pc:picChg chg="add mod topLvl">
+          <ac:chgData name="Aldacher, Muhammad" userId="12bec936-7d77-4747-ae5c-755e57d88fa4" providerId="ADAL" clId="{B75947F4-66F3-4329-8B64-42C8055B8AF2}" dt="2024-11-24T19:23:58.771" v="1245" actId="478"/>
+          <ac:picMkLst>
+            <pc:docMk/>
+            <pc:sldMk cId="1037584795" sldId="259"/>
+            <ac:picMk id="5" creationId="{71E4F3C4-4024-BE79-339E-D1D6776C33E3}"/>
+          </ac:picMkLst>
+        </pc:picChg>
+        <pc:picChg chg="del">
+          <ac:chgData name="Aldacher, Muhammad" userId="12bec936-7d77-4747-ae5c-755e57d88fa4" providerId="ADAL" clId="{B75947F4-66F3-4329-8B64-42C8055B8AF2}" dt="2024-11-23T17:04:41.187" v="97" actId="478"/>
+          <ac:picMkLst>
+            <pc:docMk/>
+            <pc:sldMk cId="1037584795" sldId="259"/>
+            <ac:picMk id="7" creationId="{889E98F7-A7EA-3C67-339E-359BFCEC270D}"/>
+          </ac:picMkLst>
+        </pc:picChg>
+        <pc:picChg chg="del">
+          <ac:chgData name="Aldacher, Muhammad" userId="12bec936-7d77-4747-ae5c-755e57d88fa4" providerId="ADAL" clId="{B75947F4-66F3-4329-8B64-42C8055B8AF2}" dt="2024-11-23T17:04:40.118" v="96" actId="21"/>
+          <ac:picMkLst>
+            <pc:docMk/>
+            <pc:sldMk cId="1037584795" sldId="259"/>
+            <ac:picMk id="9" creationId="{71E4F3C4-4024-BE79-339E-D1D6776C33E3}"/>
+          </ac:picMkLst>
+        </pc:picChg>
+      </pc:sldChg>
+      <pc:sldChg chg="addSp delSp modSp new mod">
+        <pc:chgData name="Aldacher, Muhammad" userId="12bec936-7d77-4747-ae5c-755e57d88fa4" providerId="ADAL" clId="{B75947F4-66F3-4329-8B64-42C8055B8AF2}" dt="2024-11-24T21:25:09.171" v="1758" actId="14100"/>
+        <pc:sldMkLst>
+          <pc:docMk/>
+          <pc:sldMk cId="329239609" sldId="260"/>
+        </pc:sldMkLst>
+        <pc:spChg chg="mod">
+          <ac:chgData name="Aldacher, Muhammad" userId="12bec936-7d77-4747-ae5c-755e57d88fa4" providerId="ADAL" clId="{B75947F4-66F3-4329-8B64-42C8055B8AF2}" dt="2024-11-24T19:56:41.961" v="1672" actId="20577"/>
+          <ac:spMkLst>
+            <pc:docMk/>
+            <pc:sldMk cId="329239609" sldId="260"/>
+            <ac:spMk id="2" creationId="{C8BDFD79-2C76-AC01-F838-D3D9F5706E83}"/>
+          </ac:spMkLst>
+        </pc:spChg>
+        <pc:spChg chg="del">
+          <ac:chgData name="Aldacher, Muhammad" userId="12bec936-7d77-4747-ae5c-755e57d88fa4" providerId="ADAL" clId="{B75947F4-66F3-4329-8B64-42C8055B8AF2}" dt="2024-11-24T19:56:07.909" v="1649" actId="22"/>
+          <ac:spMkLst>
+            <pc:docMk/>
+            <pc:sldMk cId="329239609" sldId="260"/>
+            <ac:spMk id="3" creationId="{65B7A056-6AA3-D84A-341F-F2034556EA45}"/>
+          </ac:spMkLst>
+        </pc:spChg>
+        <pc:spChg chg="add mod">
+          <ac:chgData name="Aldacher, Muhammad" userId="12bec936-7d77-4747-ae5c-755e57d88fa4" providerId="ADAL" clId="{B75947F4-66F3-4329-8B64-42C8055B8AF2}" dt="2024-11-24T21:25:09.171" v="1758" actId="14100"/>
+          <ac:spMkLst>
+            <pc:docMk/>
+            <pc:sldMk cId="329239609" sldId="260"/>
+            <ac:spMk id="8" creationId="{414935BC-908E-8CCE-BA21-21700E3458C9}"/>
+          </ac:spMkLst>
+        </pc:spChg>
+        <pc:spChg chg="add mod">
+          <ac:chgData name="Aldacher, Muhammad" userId="12bec936-7d77-4747-ae5c-755e57d88fa4" providerId="ADAL" clId="{B75947F4-66F3-4329-8B64-42C8055B8AF2}" dt="2024-11-24T21:23:51.075" v="1711" actId="14100"/>
+          <ac:spMkLst>
+            <pc:docMk/>
+            <pc:sldMk cId="329239609" sldId="260"/>
+            <ac:spMk id="9" creationId="{AECA0BA4-1524-AD96-B464-113EA5DF8C3E}"/>
+          </ac:spMkLst>
+        </pc:spChg>
+        <pc:spChg chg="add mod">
+          <ac:chgData name="Aldacher, Muhammad" userId="12bec936-7d77-4747-ae5c-755e57d88fa4" providerId="ADAL" clId="{B75947F4-66F3-4329-8B64-42C8055B8AF2}" dt="2024-11-24T21:23:35.861" v="1708" actId="1035"/>
+          <ac:spMkLst>
+            <pc:docMk/>
+            <pc:sldMk cId="329239609" sldId="260"/>
+            <ac:spMk id="11" creationId="{EAB6F3B1-C2BE-EEBA-10C6-74C97BD80CC7}"/>
+          </ac:spMkLst>
+        </pc:spChg>
+        <pc:picChg chg="add mod">
+          <ac:chgData name="Aldacher, Muhammad" userId="12bec936-7d77-4747-ae5c-755e57d88fa4" providerId="ADAL" clId="{B75947F4-66F3-4329-8B64-42C8055B8AF2}" dt="2024-11-24T19:56:29.920" v="1654" actId="1076"/>
+          <ac:picMkLst>
+            <pc:docMk/>
+            <pc:sldMk cId="329239609" sldId="260"/>
+            <ac:picMk id="5" creationId="{3CE92FA4-0EC6-9C08-3EDF-602D9F98D012}"/>
+          </ac:picMkLst>
+        </pc:picChg>
+        <pc:picChg chg="add mod ord">
+          <ac:chgData name="Aldacher, Muhammad" userId="12bec936-7d77-4747-ae5c-755e57d88fa4" providerId="ADAL" clId="{B75947F4-66F3-4329-8B64-42C8055B8AF2}" dt="2024-11-24T19:56:21.575" v="1653" actId="1076"/>
+          <ac:picMkLst>
+            <pc:docMk/>
+            <pc:sldMk cId="329239609" sldId="260"/>
+            <ac:picMk id="7" creationId="{8590332D-CFCC-80EB-823D-271353BFDB2B}"/>
+          </ac:picMkLst>
+        </pc:picChg>
+        <pc:cxnChg chg="add mod">
+          <ac:chgData name="Aldacher, Muhammad" userId="12bec936-7d77-4747-ae5c-755e57d88fa4" providerId="ADAL" clId="{B75947F4-66F3-4329-8B64-42C8055B8AF2}" dt="2024-11-24T21:23:35.861" v="1708" actId="1035"/>
+          <ac:cxnSpMkLst>
+            <pc:docMk/>
+            <pc:sldMk cId="329239609" sldId="260"/>
+            <ac:cxnSpMk id="10" creationId="{E18287D6-24B0-AB84-FE48-DAD690614AE0}"/>
+          </ac:cxnSpMkLst>
+        </pc:cxnChg>
+      </pc:sldChg>
+      <pc:sldChg chg="addSp delSp modSp new mod ord">
+        <pc:chgData name="Aldacher, Muhammad" userId="12bec936-7d77-4747-ae5c-755e57d88fa4" providerId="ADAL" clId="{B75947F4-66F3-4329-8B64-42C8055B8AF2}" dt="2024-11-24T19:53:40.267" v="1648" actId="1035"/>
+        <pc:sldMkLst>
+          <pc:docMk/>
+          <pc:sldMk cId="3717752631" sldId="261"/>
+        </pc:sldMkLst>
+        <pc:spChg chg="mod">
+          <ac:chgData name="Aldacher, Muhammad" userId="12bec936-7d77-4747-ae5c-755e57d88fa4" providerId="ADAL" clId="{B75947F4-66F3-4329-8B64-42C8055B8AF2}" dt="2024-11-24T19:33:12.118" v="1426" actId="20577"/>
+          <ac:spMkLst>
+            <pc:docMk/>
+            <pc:sldMk cId="3717752631" sldId="261"/>
+            <ac:spMk id="2" creationId="{79CDEDD3-66FE-FEFD-57DE-07C56CE0085E}"/>
+          </ac:spMkLst>
+        </pc:spChg>
+        <pc:spChg chg="del">
+          <ac:chgData name="Aldacher, Muhammad" userId="12bec936-7d77-4747-ae5c-755e57d88fa4" providerId="ADAL" clId="{B75947F4-66F3-4329-8B64-42C8055B8AF2}" dt="2024-11-24T19:32:37.175" v="1398" actId="478"/>
+          <ac:spMkLst>
+            <pc:docMk/>
+            <pc:sldMk cId="3717752631" sldId="261"/>
+            <ac:spMk id="3" creationId="{CE2FE4AA-02C1-7931-9121-1A6EB320DBF8}"/>
+          </ac:spMkLst>
+        </pc:spChg>
+        <pc:spChg chg="add del mod">
+          <ac:chgData name="Aldacher, Muhammad" userId="12bec936-7d77-4747-ae5c-755e57d88fa4" providerId="ADAL" clId="{B75947F4-66F3-4329-8B64-42C8055B8AF2}" dt="2024-11-24T19:42:57.529" v="1428" actId="22"/>
+          <ac:spMkLst>
+            <pc:docMk/>
+            <pc:sldMk cId="3717752631" sldId="261"/>
+            <ac:spMk id="4" creationId="{AA3B317A-7452-41B1-837F-D173C000C46B}"/>
+          </ac:spMkLst>
+        </pc:spChg>
+        <pc:spChg chg="add del mod">
+          <ac:chgData name="Aldacher, Muhammad" userId="12bec936-7d77-4747-ae5c-755e57d88fa4" providerId="ADAL" clId="{B75947F4-66F3-4329-8B64-42C8055B8AF2}" dt="2024-11-24T19:53:33.738" v="1637" actId="21"/>
+          <ac:spMkLst>
+            <pc:docMk/>
+            <pc:sldMk cId="3717752631" sldId="261"/>
+            <ac:spMk id="7" creationId="{C6A84824-B52C-51F8-7C00-F8989EBFEEE7}"/>
+          </ac:spMkLst>
+        </pc:spChg>
+        <pc:spChg chg="add del mod">
+          <ac:chgData name="Aldacher, Muhammad" userId="12bec936-7d77-4747-ae5c-755e57d88fa4" providerId="ADAL" clId="{B75947F4-66F3-4329-8B64-42C8055B8AF2}" dt="2024-11-24T19:53:33.738" v="1637" actId="21"/>
+          <ac:spMkLst>
+            <pc:docMk/>
+            <pc:sldMk cId="3717752631" sldId="261"/>
+            <ac:spMk id="8" creationId="{62BA437C-875B-8CD8-BA3F-69DADB29C5EB}"/>
+          </ac:spMkLst>
+        </pc:spChg>
+        <pc:spChg chg="add del mod">
+          <ac:chgData name="Aldacher, Muhammad" userId="12bec936-7d77-4747-ae5c-755e57d88fa4" providerId="ADAL" clId="{B75947F4-66F3-4329-8B64-42C8055B8AF2}" dt="2024-11-24T19:53:30.343" v="1636" actId="22"/>
+          <ac:spMkLst>
+            <pc:docMk/>
+            <pc:sldMk cId="3717752631" sldId="261"/>
+            <ac:spMk id="18" creationId="{5F5E6A9C-FAC1-303B-2767-CCD0A9C87FD3}"/>
+          </ac:spMkLst>
+        </pc:spChg>
+        <pc:spChg chg="add mod">
+          <ac:chgData name="Aldacher, Muhammad" userId="12bec936-7d77-4747-ae5c-755e57d88fa4" providerId="ADAL" clId="{B75947F4-66F3-4329-8B64-42C8055B8AF2}" dt="2024-11-24T19:53:34.069" v="1638"/>
+          <ac:spMkLst>
+            <pc:docMk/>
+            <pc:sldMk cId="3717752631" sldId="261"/>
+            <ac:spMk id="21" creationId="{C6A84824-B52C-51F8-7C00-F8989EBFEEE7}"/>
+          </ac:spMkLst>
+        </pc:spChg>
+        <pc:spChg chg="add mod">
+          <ac:chgData name="Aldacher, Muhammad" userId="12bec936-7d77-4747-ae5c-755e57d88fa4" providerId="ADAL" clId="{B75947F4-66F3-4329-8B64-42C8055B8AF2}" dt="2024-11-24T19:53:40.267" v="1648" actId="1035"/>
+          <ac:spMkLst>
+            <pc:docMk/>
+            <pc:sldMk cId="3717752631" sldId="261"/>
+            <ac:spMk id="22" creationId="{62BA437C-875B-8CD8-BA3F-69DADB29C5EB}"/>
+          </ac:spMkLst>
+        </pc:spChg>
+        <pc:picChg chg="add del mod ord">
+          <ac:chgData name="Aldacher, Muhammad" userId="12bec936-7d77-4747-ae5c-755e57d88fa4" providerId="ADAL" clId="{B75947F4-66F3-4329-8B64-42C8055B8AF2}" dt="2024-11-24T19:53:28.771" v="1635" actId="478"/>
+          <ac:picMkLst>
+            <pc:docMk/>
+            <pc:sldMk cId="3717752631" sldId="261"/>
+            <ac:picMk id="6" creationId="{6523478A-B81E-8C07-7CAD-8EBB73E9A653}"/>
+          </ac:picMkLst>
+        </pc:picChg>
+        <pc:picChg chg="add del">
+          <ac:chgData name="Aldacher, Muhammad" userId="12bec936-7d77-4747-ae5c-755e57d88fa4" providerId="ADAL" clId="{B75947F4-66F3-4329-8B64-42C8055B8AF2}" dt="2024-11-24T19:50:53.629" v="1617" actId="22"/>
+          <ac:picMkLst>
+            <pc:docMk/>
+            <pc:sldMk cId="3717752631" sldId="261"/>
+            <ac:picMk id="10" creationId="{7B84366C-F8D8-391D-5183-A7C7FFBAA476}"/>
+          </ac:picMkLst>
+        </pc:picChg>
+        <pc:picChg chg="add mod ord">
+          <ac:chgData name="Aldacher, Muhammad" userId="12bec936-7d77-4747-ae5c-755e57d88fa4" providerId="ADAL" clId="{B75947F4-66F3-4329-8B64-42C8055B8AF2}" dt="2024-11-24T19:53:30.343" v="1636" actId="22"/>
+          <ac:picMkLst>
+            <pc:docMk/>
+            <pc:sldMk cId="3717752631" sldId="261"/>
+            <ac:picMk id="20" creationId="{81F7BD2C-9550-A593-B012-9FAB6ADC0BAD}"/>
+          </ac:picMkLst>
+        </pc:picChg>
+        <pc:cxnChg chg="add del mod">
+          <ac:chgData name="Aldacher, Muhammad" userId="12bec936-7d77-4747-ae5c-755e57d88fa4" providerId="ADAL" clId="{B75947F4-66F3-4329-8B64-42C8055B8AF2}" dt="2024-11-24T19:53:33.738" v="1637" actId="21"/>
+          <ac:cxnSpMkLst>
+            <pc:docMk/>
+            <pc:sldMk cId="3717752631" sldId="261"/>
+            <ac:cxnSpMk id="12" creationId="{84C7A4FA-6EF6-3A74-4CFC-917704C1A6E9}"/>
+          </ac:cxnSpMkLst>
+        </pc:cxnChg>
+        <pc:cxnChg chg="add del mod">
+          <ac:chgData name="Aldacher, Muhammad" userId="12bec936-7d77-4747-ae5c-755e57d88fa4" providerId="ADAL" clId="{B75947F4-66F3-4329-8B64-42C8055B8AF2}" dt="2024-11-24T19:53:33.738" v="1637" actId="21"/>
+          <ac:cxnSpMkLst>
+            <pc:docMk/>
+            <pc:sldMk cId="3717752631" sldId="261"/>
+            <ac:cxnSpMk id="13" creationId="{1AB5B46B-BA24-A029-C778-43200698547C}"/>
+          </ac:cxnSpMkLst>
+        </pc:cxnChg>
+        <pc:cxnChg chg="add mod">
+          <ac:chgData name="Aldacher, Muhammad" userId="12bec936-7d77-4747-ae5c-755e57d88fa4" providerId="ADAL" clId="{B75947F4-66F3-4329-8B64-42C8055B8AF2}" dt="2024-11-24T19:53:40.267" v="1648" actId="1035"/>
+          <ac:cxnSpMkLst>
+            <pc:docMk/>
+            <pc:sldMk cId="3717752631" sldId="261"/>
+            <ac:cxnSpMk id="23" creationId="{84C7A4FA-6EF6-3A74-4CFC-917704C1A6E9}"/>
+          </ac:cxnSpMkLst>
+        </pc:cxnChg>
+        <pc:cxnChg chg="add mod">
+          <ac:chgData name="Aldacher, Muhammad" userId="12bec936-7d77-4747-ae5c-755e57d88fa4" providerId="ADAL" clId="{B75947F4-66F3-4329-8B64-42C8055B8AF2}" dt="2024-11-24T19:53:40.267" v="1648" actId="1035"/>
+          <ac:cxnSpMkLst>
+            <pc:docMk/>
+            <pc:sldMk cId="3717752631" sldId="261"/>
+            <ac:cxnSpMk id="24" creationId="{1AB5B46B-BA24-A029-C778-43200698547C}"/>
+          </ac:cxnSpMkLst>
+        </pc:cxnChg>
+      </pc:sldChg>
+      <pc:sldChg chg="addSp delSp modSp add mod">
+        <pc:chgData name="Aldacher, Muhammad" userId="12bec936-7d77-4747-ae5c-755e57d88fa4" providerId="ADAL" clId="{B75947F4-66F3-4329-8B64-42C8055B8AF2}" dt="2024-11-25T04:44:20.235" v="2364" actId="1076"/>
+        <pc:sldMkLst>
+          <pc:docMk/>
+          <pc:sldMk cId="2400807786" sldId="262"/>
+        </pc:sldMkLst>
+        <pc:spChg chg="mod">
+          <ac:chgData name="Aldacher, Muhammad" userId="12bec936-7d77-4747-ae5c-755e57d88fa4" providerId="ADAL" clId="{B75947F4-66F3-4329-8B64-42C8055B8AF2}" dt="2024-11-24T22:21:12.521" v="1944" actId="20577"/>
+          <ac:spMkLst>
+            <pc:docMk/>
+            <pc:sldMk cId="2400807786" sldId="262"/>
+            <ac:spMk id="2" creationId="{99874354-0B93-9A50-DDB4-408E2D577F59}"/>
+          </ac:spMkLst>
+        </pc:spChg>
+        <pc:spChg chg="del">
+          <ac:chgData name="Aldacher, Muhammad" userId="12bec936-7d77-4747-ae5c-755e57d88fa4" providerId="ADAL" clId="{B75947F4-66F3-4329-8B64-42C8055B8AF2}" dt="2024-11-24T19:32:50.905" v="1401" actId="478"/>
+          <ac:spMkLst>
+            <pc:docMk/>
+            <pc:sldMk cId="2400807786" sldId="262"/>
+            <ac:spMk id="3" creationId="{F80AE422-FE27-280F-768A-41FBE76BB72D}"/>
+          </ac:spMkLst>
+        </pc:spChg>
+        <pc:spChg chg="add del mod">
+          <ac:chgData name="Aldacher, Muhammad" userId="12bec936-7d77-4747-ae5c-755e57d88fa4" providerId="ADAL" clId="{B75947F4-66F3-4329-8B64-42C8055B8AF2}" dt="2024-11-24T19:32:52.073" v="1402" actId="478"/>
+          <ac:spMkLst>
+            <pc:docMk/>
+            <pc:sldMk cId="2400807786" sldId="262"/>
+            <ac:spMk id="5" creationId="{FD76FAAD-EE6C-349D-9D17-4F3AF5A934EF}"/>
+          </ac:spMkLst>
+        </pc:spChg>
+        <pc:spChg chg="add mod">
+          <ac:chgData name="Aldacher, Muhammad" userId="12bec936-7d77-4747-ae5c-755e57d88fa4" providerId="ADAL" clId="{B75947F4-66F3-4329-8B64-42C8055B8AF2}" dt="2024-11-25T04:44:20.235" v="2364" actId="1076"/>
+          <ac:spMkLst>
+            <pc:docMk/>
+            <pc:sldMk cId="2400807786" sldId="262"/>
+            <ac:spMk id="6" creationId="{48BA882B-4638-5E96-7265-D7D089259621}"/>
+          </ac:spMkLst>
+        </pc:spChg>
+      </pc:sldChg>
+      <pc:sldChg chg="addSp delSp modSp add mod">
+        <pc:chgData name="Aldacher, Muhammad" userId="12bec936-7d77-4747-ae5c-755e57d88fa4" providerId="ADAL" clId="{B75947F4-66F3-4329-8B64-42C8055B8AF2}" dt="2024-11-24T21:22:01.778" v="1698" actId="693"/>
+        <pc:sldMkLst>
+          <pc:docMk/>
+          <pc:sldMk cId="2208699283" sldId="263"/>
+        </pc:sldMkLst>
+        <pc:spChg chg="mod">
+          <ac:chgData name="Aldacher, Muhammad" userId="12bec936-7d77-4747-ae5c-755e57d88fa4" providerId="ADAL" clId="{B75947F4-66F3-4329-8B64-42C8055B8AF2}" dt="2024-11-24T19:43:13.500" v="1432" actId="20577"/>
+          <ac:spMkLst>
+            <pc:docMk/>
+            <pc:sldMk cId="2208699283" sldId="263"/>
+            <ac:spMk id="2" creationId="{79CDEDD3-66FE-FEFD-57DE-07C56CE0085E}"/>
+          </ac:spMkLst>
+        </pc:spChg>
+        <pc:spChg chg="add del mod">
+          <ac:chgData name="Aldacher, Muhammad" userId="12bec936-7d77-4747-ae5c-755e57d88fa4" providerId="ADAL" clId="{B75947F4-66F3-4329-8B64-42C8055B8AF2}" dt="2024-11-24T19:43:45.468" v="1434" actId="22"/>
+          <ac:spMkLst>
+            <pc:docMk/>
+            <pc:sldMk cId="2208699283" sldId="263"/>
+            <ac:spMk id="4" creationId="{EDB7803A-CB21-CE37-F47D-7481418317BB}"/>
+          </ac:spMkLst>
+        </pc:spChg>
+        <pc:spChg chg="add mod">
+          <ac:chgData name="Aldacher, Muhammad" userId="12bec936-7d77-4747-ae5c-755e57d88fa4" providerId="ADAL" clId="{B75947F4-66F3-4329-8B64-42C8055B8AF2}" dt="2024-11-24T19:45:08.045" v="1445"/>
+          <ac:spMkLst>
+            <pc:docMk/>
+            <pc:sldMk cId="2208699283" sldId="263"/>
+            <ac:spMk id="8" creationId="{75A04A7C-CB2D-433B-265B-6E6BA18B3805}"/>
+          </ac:spMkLst>
+        </pc:spChg>
+        <pc:spChg chg="add mod">
+          <ac:chgData name="Aldacher, Muhammad" userId="12bec936-7d77-4747-ae5c-755e57d88fa4" providerId="ADAL" clId="{B75947F4-66F3-4329-8B64-42C8055B8AF2}" dt="2024-11-24T21:22:01.778" v="1698" actId="693"/>
+          <ac:spMkLst>
+            <pc:docMk/>
+            <pc:sldMk cId="2208699283" sldId="263"/>
+            <ac:spMk id="9" creationId="{45E606ED-EA1E-071E-4DC7-5F8C09D50859}"/>
+          </ac:spMkLst>
+        </pc:spChg>
+        <pc:picChg chg="del">
+          <ac:chgData name="Aldacher, Muhammad" userId="12bec936-7d77-4747-ae5c-755e57d88fa4" providerId="ADAL" clId="{B75947F4-66F3-4329-8B64-42C8055B8AF2}" dt="2024-11-24T19:43:44.281" v="1433" actId="478"/>
+          <ac:picMkLst>
+            <pc:docMk/>
+            <pc:sldMk cId="2208699283" sldId="263"/>
+            <ac:picMk id="6" creationId="{6523478A-B81E-8C07-7CAD-8EBB73E9A653}"/>
+          </ac:picMkLst>
+        </pc:picChg>
+        <pc:picChg chg="add mod ord">
+          <ac:chgData name="Aldacher, Muhammad" userId="12bec936-7d77-4747-ae5c-755e57d88fa4" providerId="ADAL" clId="{B75947F4-66F3-4329-8B64-42C8055B8AF2}" dt="2024-11-24T19:43:45.468" v="1434" actId="22"/>
+          <ac:picMkLst>
+            <pc:docMk/>
+            <pc:sldMk cId="2208699283" sldId="263"/>
+            <ac:picMk id="7" creationId="{C8409C48-7542-112A-819E-CBDCAB10DCA4}"/>
+          </ac:picMkLst>
+        </pc:picChg>
+      </pc:sldChg>
+      <pc:sldChg chg="addSp delSp modSp new mod ord">
+        <pc:chgData name="Aldacher, Muhammad" userId="12bec936-7d77-4747-ae5c-755e57d88fa4" providerId="ADAL" clId="{B75947F4-66F3-4329-8B64-42C8055B8AF2}" dt="2024-11-24T21:45:27.106" v="1797" actId="208"/>
+        <pc:sldMkLst>
+          <pc:docMk/>
+          <pc:sldMk cId="860180719" sldId="264"/>
+        </pc:sldMkLst>
+        <pc:spChg chg="mod">
+          <ac:chgData name="Aldacher, Muhammad" userId="12bec936-7d77-4747-ae5c-755e57d88fa4" providerId="ADAL" clId="{B75947F4-66F3-4329-8B64-42C8055B8AF2}" dt="2024-11-24T19:57:40.242" v="1689" actId="20577"/>
+          <ac:spMkLst>
+            <pc:docMk/>
+            <pc:sldMk cId="860180719" sldId="264"/>
+            <ac:spMk id="2" creationId="{E104A1EE-0C28-1E8A-1986-27C6852D4D1A}"/>
+          </ac:spMkLst>
+        </pc:spChg>
+        <pc:spChg chg="del">
+          <ac:chgData name="Aldacher, Muhammad" userId="12bec936-7d77-4747-ae5c-755e57d88fa4" providerId="ADAL" clId="{B75947F4-66F3-4329-8B64-42C8055B8AF2}" dt="2024-11-24T19:57:42.087" v="1690" actId="22"/>
+          <ac:spMkLst>
+            <pc:docMk/>
+            <pc:sldMk cId="860180719" sldId="264"/>
+            <ac:spMk id="3" creationId="{F70B914E-9C1E-7E45-213B-84DB2C72E8D9}"/>
+          </ac:spMkLst>
+        </pc:spChg>
+        <pc:spChg chg="add mod">
+          <ac:chgData name="Aldacher, Muhammad" userId="12bec936-7d77-4747-ae5c-755e57d88fa4" providerId="ADAL" clId="{B75947F4-66F3-4329-8B64-42C8055B8AF2}" dt="2024-11-24T21:45:23.458" v="1796" actId="1076"/>
+          <ac:spMkLst>
+            <pc:docMk/>
+            <pc:sldMk cId="860180719" sldId="264"/>
+            <ac:spMk id="8" creationId="{964C99A6-990B-1AB4-EF74-9F05F7C84468}"/>
+          </ac:spMkLst>
+        </pc:spChg>
+        <pc:picChg chg="add mod ord">
+          <ac:chgData name="Aldacher, Muhammad" userId="12bec936-7d77-4747-ae5c-755e57d88fa4" providerId="ADAL" clId="{B75947F4-66F3-4329-8B64-42C8055B8AF2}" dt="2024-11-24T21:45:23.458" v="1796" actId="1076"/>
+          <ac:picMkLst>
+            <pc:docMk/>
+            <pc:sldMk cId="860180719" sldId="264"/>
+            <ac:picMk id="5" creationId="{3035A2BD-4D75-CA48-C96C-5FC2E9537283}"/>
+          </ac:picMkLst>
+        </pc:picChg>
+        <pc:picChg chg="add mod">
+          <ac:chgData name="Aldacher, Muhammad" userId="12bec936-7d77-4747-ae5c-755e57d88fa4" providerId="ADAL" clId="{B75947F4-66F3-4329-8B64-42C8055B8AF2}" dt="2024-11-24T21:45:23.458" v="1796" actId="1076"/>
+          <ac:picMkLst>
+            <pc:docMk/>
+            <pc:sldMk cId="860180719" sldId="264"/>
+            <ac:picMk id="7" creationId="{6AB0C218-3CB4-4001-CF77-DA245156D76C}"/>
+          </ac:picMkLst>
+        </pc:picChg>
+        <pc:picChg chg="add mod">
+          <ac:chgData name="Aldacher, Muhammad" userId="12bec936-7d77-4747-ae5c-755e57d88fa4" providerId="ADAL" clId="{B75947F4-66F3-4329-8B64-42C8055B8AF2}" dt="2024-11-24T21:45:27.106" v="1797" actId="208"/>
+          <ac:picMkLst>
+            <pc:docMk/>
+            <pc:sldMk cId="860180719" sldId="264"/>
+            <ac:picMk id="12" creationId="{9D5E8BE2-B7F7-D2A6-2494-760888FB8157}"/>
+          </ac:picMkLst>
+        </pc:picChg>
+        <pc:cxnChg chg="add mod">
+          <ac:chgData name="Aldacher, Muhammad" userId="12bec936-7d77-4747-ae5c-755e57d88fa4" providerId="ADAL" clId="{B75947F4-66F3-4329-8B64-42C8055B8AF2}" dt="2024-11-24T21:45:23.458" v="1796" actId="1076"/>
+          <ac:cxnSpMkLst>
+            <pc:docMk/>
+            <pc:sldMk cId="860180719" sldId="264"/>
+            <ac:cxnSpMk id="10" creationId="{E1B044CE-9CC2-09FA-DF9C-E6B9932B5107}"/>
+          </ac:cxnSpMkLst>
+        </pc:cxnChg>
+      </pc:sldChg>
+      <pc:sldChg chg="addSp delSp modSp new mod">
+        <pc:chgData name="Aldacher, Muhammad" userId="12bec936-7d77-4747-ae5c-755e57d88fa4" providerId="ADAL" clId="{B75947F4-66F3-4329-8B64-42C8055B8AF2}" dt="2024-11-24T21:48:30.166" v="1826" actId="20577"/>
+        <pc:sldMkLst>
+          <pc:docMk/>
+          <pc:sldMk cId="906873431" sldId="265"/>
+        </pc:sldMkLst>
+        <pc:spChg chg="mod">
+          <ac:chgData name="Aldacher, Muhammad" userId="12bec936-7d77-4747-ae5c-755e57d88fa4" providerId="ADAL" clId="{B75947F4-66F3-4329-8B64-42C8055B8AF2}" dt="2024-11-24T21:48:30.166" v="1826" actId="20577"/>
+          <ac:spMkLst>
+            <pc:docMk/>
+            <pc:sldMk cId="906873431" sldId="265"/>
+            <ac:spMk id="2" creationId="{298DC44E-79E4-8186-0970-BC1B8EAEE84A}"/>
+          </ac:spMkLst>
+        </pc:spChg>
+        <pc:spChg chg="del">
+          <ac:chgData name="Aldacher, Muhammad" userId="12bec936-7d77-4747-ae5c-755e57d88fa4" providerId="ADAL" clId="{B75947F4-66F3-4329-8B64-42C8055B8AF2}" dt="2024-11-24T21:31:04.206" v="1770" actId="478"/>
+          <ac:spMkLst>
+            <pc:docMk/>
+            <pc:sldMk cId="906873431" sldId="265"/>
+            <ac:spMk id="3" creationId="{94B7FA55-1610-53B5-E5E3-D9E85694BFA2}"/>
+          </ac:spMkLst>
+        </pc:spChg>
+        <pc:spChg chg="add del mod">
+          <ac:chgData name="Aldacher, Muhammad" userId="12bec936-7d77-4747-ae5c-755e57d88fa4" providerId="ADAL" clId="{B75947F4-66F3-4329-8B64-42C8055B8AF2}" dt="2024-11-24T21:34:01.785" v="1781"/>
+          <ac:spMkLst>
+            <pc:docMk/>
+            <pc:sldMk cId="906873431" sldId="265"/>
+            <ac:spMk id="4" creationId="{9C7632F7-0FC2-9966-7754-F6CBF2259B59}"/>
+          </ac:spMkLst>
+        </pc:spChg>
+        <pc:spChg chg="add mod">
+          <ac:chgData name="Aldacher, Muhammad" userId="12bec936-7d77-4747-ae5c-755e57d88fa4" providerId="ADAL" clId="{B75947F4-66F3-4329-8B64-42C8055B8AF2}" dt="2024-11-24T21:36:15.099" v="1786" actId="20577"/>
+          <ac:spMkLst>
+            <pc:docMk/>
+            <pc:sldMk cId="906873431" sldId="265"/>
+            <ac:spMk id="7" creationId="{6C4BAD8F-458C-0ECA-74FA-3C0D1C2068AA}"/>
+          </ac:spMkLst>
+        </pc:spChg>
+        <pc:picChg chg="add del mod">
+          <ac:chgData name="Aldacher, Muhammad" userId="12bec936-7d77-4747-ae5c-755e57d88fa4" providerId="ADAL" clId="{B75947F4-66F3-4329-8B64-42C8055B8AF2}" dt="2024-11-24T21:35:41.246" v="1782" actId="478"/>
+          <ac:picMkLst>
+            <pc:docMk/>
+            <pc:sldMk cId="906873431" sldId="265"/>
+            <ac:picMk id="6" creationId="{FD10FCD2-20A7-ABED-BD00-3B16099CD086}"/>
+          </ac:picMkLst>
+        </pc:picChg>
+        <pc:picChg chg="add mod">
+          <ac:chgData name="Aldacher, Muhammad" userId="12bec936-7d77-4747-ae5c-755e57d88fa4" providerId="ADAL" clId="{B75947F4-66F3-4329-8B64-42C8055B8AF2}" dt="2024-11-24T21:40:24.985" v="1791" actId="1076"/>
+          <ac:picMkLst>
+            <pc:docMk/>
+            <pc:sldMk cId="906873431" sldId="265"/>
+            <ac:picMk id="9" creationId="{9EE5D02E-FAF5-D11B-53FD-8B1450265EB8}"/>
+          </ac:picMkLst>
+        </pc:picChg>
+        <pc:picChg chg="add mod">
+          <ac:chgData name="Aldacher, Muhammad" userId="12bec936-7d77-4747-ae5c-755e57d88fa4" providerId="ADAL" clId="{B75947F4-66F3-4329-8B64-42C8055B8AF2}" dt="2024-11-24T21:40:24.985" v="1791" actId="1076"/>
+          <ac:picMkLst>
+            <pc:docMk/>
+            <pc:sldMk cId="906873431" sldId="265"/>
+            <ac:picMk id="11" creationId="{756C4959-8EDD-2560-BB5D-9DCBD8B0075C}"/>
+          </ac:picMkLst>
+        </pc:picChg>
+        <pc:picChg chg="add mod">
+          <ac:chgData name="Aldacher, Muhammad" userId="12bec936-7d77-4747-ae5c-755e57d88fa4" providerId="ADAL" clId="{B75947F4-66F3-4329-8B64-42C8055B8AF2}" dt="2024-11-24T21:48:12.561" v="1801" actId="1076"/>
+          <ac:picMkLst>
+            <pc:docMk/>
+            <pc:sldMk cId="906873431" sldId="265"/>
+            <ac:picMk id="12" creationId="{720EB5C2-DC64-37DA-72F6-DFA3FF51DFBC}"/>
+          </ac:picMkLst>
+        </pc:picChg>
+      </pc:sldChg>
+      <pc:sldChg chg="addSp delSp modSp new mod">
+        <pc:chgData name="Aldacher, Muhammad" userId="12bec936-7d77-4747-ae5c-755e57d88fa4" providerId="ADAL" clId="{B75947F4-66F3-4329-8B64-42C8055B8AF2}" dt="2024-11-26T00:16:03.870" v="2378" actId="688"/>
+        <pc:sldMkLst>
+          <pc:docMk/>
+          <pc:sldMk cId="2501504381" sldId="266"/>
+        </pc:sldMkLst>
+        <pc:spChg chg="mod">
+          <ac:chgData name="Aldacher, Muhammad" userId="12bec936-7d77-4747-ae5c-755e57d88fa4" providerId="ADAL" clId="{B75947F4-66F3-4329-8B64-42C8055B8AF2}" dt="2024-11-24T21:48:52.977" v="1838" actId="20577"/>
+          <ac:spMkLst>
+            <pc:docMk/>
+            <pc:sldMk cId="2501504381" sldId="266"/>
+            <ac:spMk id="2" creationId="{7376B0CA-D84E-8FA6-4F4C-4CE37FC52889}"/>
+          </ac:spMkLst>
+        </pc:spChg>
+        <pc:spChg chg="del">
+          <ac:chgData name="Aldacher, Muhammad" userId="12bec936-7d77-4747-ae5c-755e57d88fa4" providerId="ADAL" clId="{B75947F4-66F3-4329-8B64-42C8055B8AF2}" dt="2024-11-24T21:49:34.520" v="1839" actId="22"/>
+          <ac:spMkLst>
+            <pc:docMk/>
+            <pc:sldMk cId="2501504381" sldId="266"/>
+            <ac:spMk id="3" creationId="{2F0C6F0A-822B-7092-4C86-E9D7E4C8AA29}"/>
+          </ac:spMkLst>
+        </pc:spChg>
+        <pc:spChg chg="add mod">
+          <ac:chgData name="Aldacher, Muhammad" userId="12bec936-7d77-4747-ae5c-755e57d88fa4" providerId="ADAL" clId="{B75947F4-66F3-4329-8B64-42C8055B8AF2}" dt="2024-11-26T00:15:02.689" v="2369" actId="1076"/>
+          <ac:spMkLst>
+            <pc:docMk/>
+            <pc:sldMk cId="2501504381" sldId="266"/>
+            <ac:spMk id="11" creationId="{8EFCE82A-4D83-9CB7-80E9-8DEB972A0D8A}"/>
+          </ac:spMkLst>
+        </pc:spChg>
+        <pc:spChg chg="add mod">
+          <ac:chgData name="Aldacher, Muhammad" userId="12bec936-7d77-4747-ae5c-755e57d88fa4" providerId="ADAL" clId="{B75947F4-66F3-4329-8B64-42C8055B8AF2}" dt="2024-11-26T00:16:03.870" v="2378" actId="688"/>
+          <ac:spMkLst>
+            <pc:docMk/>
+            <pc:sldMk cId="2501504381" sldId="266"/>
+            <ac:spMk id="12" creationId="{A7AA156E-C305-C722-AB46-FE61475B1067}"/>
+          </ac:spMkLst>
+        </pc:spChg>
+        <pc:picChg chg="add mod">
+          <ac:chgData name="Aldacher, Muhammad" userId="12bec936-7d77-4747-ae5c-755e57d88fa4" providerId="ADAL" clId="{B75947F4-66F3-4329-8B64-42C8055B8AF2}" dt="2024-11-26T00:15:07.814" v="2370" actId="1076"/>
+          <ac:picMkLst>
+            <pc:docMk/>
+            <pc:sldMk cId="2501504381" sldId="266"/>
+            <ac:picMk id="4" creationId="{331A3728-C093-EF23-14D0-9D830EA98ED7}"/>
+          </ac:picMkLst>
+        </pc:picChg>
+        <pc:picChg chg="add mod ord">
+          <ac:chgData name="Aldacher, Muhammad" userId="12bec936-7d77-4747-ae5c-755e57d88fa4" providerId="ADAL" clId="{B75947F4-66F3-4329-8B64-42C8055B8AF2}" dt="2024-11-24T21:50:25.763" v="1848" actId="1076"/>
+          <ac:picMkLst>
+            <pc:docMk/>
+            <pc:sldMk cId="2501504381" sldId="266"/>
+            <ac:picMk id="5" creationId="{FFC29BC9-8446-90EC-B2DE-6D0BD0CD5535}"/>
+          </ac:picMkLst>
+        </pc:picChg>
+        <pc:picChg chg="add mod">
+          <ac:chgData name="Aldacher, Muhammad" userId="12bec936-7d77-4747-ae5c-755e57d88fa4" providerId="ADAL" clId="{B75947F4-66F3-4329-8B64-42C8055B8AF2}" dt="2024-11-26T00:15:02.689" v="2369" actId="1076"/>
+          <ac:picMkLst>
+            <pc:docMk/>
+            <pc:sldMk cId="2501504381" sldId="266"/>
+            <ac:picMk id="7" creationId="{20B5E25C-6E2A-28BC-1E08-66FA6955EB6B}"/>
+          </ac:picMkLst>
+        </pc:picChg>
+        <pc:picChg chg="add mod">
+          <ac:chgData name="Aldacher, Muhammad" userId="12bec936-7d77-4747-ae5c-755e57d88fa4" providerId="ADAL" clId="{B75947F4-66F3-4329-8B64-42C8055B8AF2}" dt="2024-11-26T00:15:07.814" v="2370" actId="1076"/>
+          <ac:picMkLst>
+            <pc:docMk/>
+            <pc:sldMk cId="2501504381" sldId="266"/>
+            <ac:picMk id="8" creationId="{F33FA5CA-267F-A274-2836-FFAA220D763D}"/>
+          </ac:picMkLst>
+        </pc:picChg>
+        <pc:cxnChg chg="add mod">
+          <ac:chgData name="Aldacher, Muhammad" userId="12bec936-7d77-4747-ae5c-755e57d88fa4" providerId="ADAL" clId="{B75947F4-66F3-4329-8B64-42C8055B8AF2}" dt="2024-11-26T00:15:10.560" v="2371" actId="14100"/>
+          <ac:cxnSpMkLst>
+            <pc:docMk/>
+            <pc:sldMk cId="2501504381" sldId="266"/>
+            <ac:cxnSpMk id="9" creationId="{06DA823D-56C8-ED24-4BF3-7A4C1D1A34DF}"/>
+          </ac:cxnSpMkLst>
+        </pc:cxnChg>
+      </pc:sldChg>
+      <pc:sldChg chg="addSp delSp modSp new mod">
+        <pc:chgData name="Aldacher, Muhammad" userId="12bec936-7d77-4747-ae5c-755e57d88fa4" providerId="ADAL" clId="{B75947F4-66F3-4329-8B64-42C8055B8AF2}" dt="2024-11-25T04:39:03.455" v="2270" actId="1076"/>
+        <pc:sldMkLst>
+          <pc:docMk/>
+          <pc:sldMk cId="1839938377" sldId="267"/>
+        </pc:sldMkLst>
+        <pc:spChg chg="mod">
+          <ac:chgData name="Aldacher, Muhammad" userId="12bec936-7d77-4747-ae5c-755e57d88fa4" providerId="ADAL" clId="{B75947F4-66F3-4329-8B64-42C8055B8AF2}" dt="2024-11-25T04:30:20.078" v="2099" actId="1076"/>
+          <ac:spMkLst>
+            <pc:docMk/>
+            <pc:sldMk cId="1839938377" sldId="267"/>
+            <ac:spMk id="2" creationId="{8DABCE1D-C99A-6E18-BA81-BF6DC9B45F37}"/>
+          </ac:spMkLst>
+        </pc:spChg>
+        <pc:spChg chg="del">
+          <ac:chgData name="Aldacher, Muhammad" userId="12bec936-7d77-4747-ae5c-755e57d88fa4" providerId="ADAL" clId="{B75947F4-66F3-4329-8B64-42C8055B8AF2}" dt="2024-11-25T00:59:30.661" v="1999" actId="22"/>
+          <ac:spMkLst>
+            <pc:docMk/>
+            <pc:sldMk cId="1839938377" sldId="267"/>
+            <ac:spMk id="3" creationId="{DDB42AF3-5620-BA41-6A42-342FEB056ABD}"/>
+          </ac:spMkLst>
+        </pc:spChg>
+        <pc:spChg chg="add del mod">
+          <ac:chgData name="Aldacher, Muhammad" userId="12bec936-7d77-4747-ae5c-755e57d88fa4" providerId="ADAL" clId="{B75947F4-66F3-4329-8B64-42C8055B8AF2}" dt="2024-11-25T01:03:05.036" v="2072" actId="478"/>
+          <ac:spMkLst>
+            <pc:docMk/>
+            <pc:sldMk cId="1839938377" sldId="267"/>
+            <ac:spMk id="4" creationId="{26C28991-DF50-5B9F-7906-36EBAAE44008}"/>
+          </ac:spMkLst>
+        </pc:spChg>
+        <pc:spChg chg="add del mod">
+          <ac:chgData name="Aldacher, Muhammad" userId="12bec936-7d77-4747-ae5c-755e57d88fa4" providerId="ADAL" clId="{B75947F4-66F3-4329-8B64-42C8055B8AF2}" dt="2024-11-25T01:20:36.844" v="2088" actId="478"/>
+          <ac:spMkLst>
+            <pc:docMk/>
+            <pc:sldMk cId="1839938377" sldId="267"/>
+            <ac:spMk id="7" creationId="{A1D41447-F559-AD0F-9AFA-9EAEDF9B27A4}"/>
+          </ac:spMkLst>
+        </pc:spChg>
+        <pc:spChg chg="add del mod">
+          <ac:chgData name="Aldacher, Muhammad" userId="12bec936-7d77-4747-ae5c-755e57d88fa4" providerId="ADAL" clId="{B75947F4-66F3-4329-8B64-42C8055B8AF2}" dt="2024-11-25T01:20:36.844" v="2088" actId="478"/>
+          <ac:spMkLst>
+            <pc:docMk/>
+            <pc:sldMk cId="1839938377" sldId="267"/>
+            <ac:spMk id="8" creationId="{EF4F6DC3-4D23-8BE9-D603-AA0199C9125C}"/>
+          </ac:spMkLst>
+        </pc:spChg>
+        <pc:spChg chg="add del mod">
+          <ac:chgData name="Aldacher, Muhammad" userId="12bec936-7d77-4747-ae5c-755e57d88fa4" providerId="ADAL" clId="{B75947F4-66F3-4329-8B64-42C8055B8AF2}" dt="2024-11-25T01:20:36.844" v="2088" actId="478"/>
+          <ac:spMkLst>
+            <pc:docMk/>
+            <pc:sldMk cId="1839938377" sldId="267"/>
+            <ac:spMk id="11" creationId="{6B1A35A1-7D27-7949-E6CE-266B7997A97F}"/>
+          </ac:spMkLst>
+        </pc:spChg>
+        <pc:spChg chg="add del mod">
+          <ac:chgData name="Aldacher, Muhammad" userId="12bec936-7d77-4747-ae5c-755e57d88fa4" providerId="ADAL" clId="{B75947F4-66F3-4329-8B64-42C8055B8AF2}" dt="2024-11-25T01:20:41.081" v="2089" actId="478"/>
+          <ac:spMkLst>
+            <pc:docMk/>
+            <pc:sldMk cId="1839938377" sldId="267"/>
+            <ac:spMk id="13" creationId="{95EE1191-52C9-4CD0-26EA-8E65D652EC52}"/>
+          </ac:spMkLst>
+        </pc:spChg>
+        <pc:spChg chg="add mod">
+          <ac:chgData name="Aldacher, Muhammad" userId="12bec936-7d77-4747-ae5c-755e57d88fa4" providerId="ADAL" clId="{B75947F4-66F3-4329-8B64-42C8055B8AF2}" dt="2024-11-25T04:39:03.455" v="2270" actId="1076"/>
+          <ac:spMkLst>
+            <pc:docMk/>
+            <pc:sldMk cId="1839938377" sldId="267"/>
+            <ac:spMk id="14" creationId="{26C28991-DF50-5B9F-7906-36EBAAE44008}"/>
+          </ac:spMkLst>
+        </pc:spChg>
+        <pc:spChg chg="add mod">
+          <ac:chgData name="Aldacher, Muhammad" userId="12bec936-7d77-4747-ae5c-755e57d88fa4" providerId="ADAL" clId="{B75947F4-66F3-4329-8B64-42C8055B8AF2}" dt="2024-11-25T04:36:59.957" v="2148" actId="1076"/>
+          <ac:spMkLst>
+            <pc:docMk/>
+            <pc:sldMk cId="1839938377" sldId="267"/>
+            <ac:spMk id="19" creationId="{8F6F13C8-DBD1-5E9C-A64E-7442B437E892}"/>
+          </ac:spMkLst>
+        </pc:spChg>
+        <pc:spChg chg="add mod">
+          <ac:chgData name="Aldacher, Muhammad" userId="12bec936-7d77-4747-ae5c-755e57d88fa4" providerId="ADAL" clId="{B75947F4-66F3-4329-8B64-42C8055B8AF2}" dt="2024-11-25T04:38:37.552" v="2267" actId="255"/>
+          <ac:spMkLst>
+            <pc:docMk/>
+            <pc:sldMk cId="1839938377" sldId="267"/>
+            <ac:spMk id="20" creationId="{2FF584A1-D1AA-92A8-C1AB-D4A5D0A21CAC}"/>
+          </ac:spMkLst>
+        </pc:spChg>
+        <pc:picChg chg="add del mod ord">
+          <ac:chgData name="Aldacher, Muhammad" userId="12bec936-7d77-4747-ae5c-755e57d88fa4" providerId="ADAL" clId="{B75947F4-66F3-4329-8B64-42C8055B8AF2}" dt="2024-11-25T01:20:36.844" v="2088" actId="478"/>
+          <ac:picMkLst>
+            <pc:docMk/>
+            <pc:sldMk cId="1839938377" sldId="267"/>
+            <ac:picMk id="6" creationId="{B8732702-8425-4BFD-8D92-FA98C4E10BC5}"/>
+          </ac:picMkLst>
+        </pc:picChg>
+        <pc:picChg chg="add mod">
+          <ac:chgData name="Aldacher, Muhammad" userId="12bec936-7d77-4747-ae5c-755e57d88fa4" providerId="ADAL" clId="{B75947F4-66F3-4329-8B64-42C8055B8AF2}" dt="2024-11-25T04:31:58.392" v="2106" actId="1076"/>
+          <ac:picMkLst>
+            <pc:docMk/>
+            <pc:sldMk cId="1839938377" sldId="267"/>
+            <ac:picMk id="16" creationId="{690344F6-5C1F-A412-7D0F-503DB14ED71F}"/>
+          </ac:picMkLst>
+        </pc:picChg>
+        <pc:picChg chg="add mod">
+          <ac:chgData name="Aldacher, Muhammad" userId="12bec936-7d77-4747-ae5c-755e57d88fa4" providerId="ADAL" clId="{B75947F4-66F3-4329-8B64-42C8055B8AF2}" dt="2024-11-25T04:31:58.392" v="2106" actId="1076"/>
+          <ac:picMkLst>
+            <pc:docMk/>
+            <pc:sldMk cId="1839938377" sldId="267"/>
+            <ac:picMk id="18" creationId="{AACF9348-1EDE-4CBB-979A-0BDE326C8DBE}"/>
+          </ac:picMkLst>
+        </pc:picChg>
+        <pc:cxnChg chg="add del mod">
+          <ac:chgData name="Aldacher, Muhammad" userId="12bec936-7d77-4747-ae5c-755e57d88fa4" providerId="ADAL" clId="{B75947F4-66F3-4329-8B64-42C8055B8AF2}" dt="2024-11-25T01:20:36.844" v="2088" actId="478"/>
+          <ac:cxnSpMkLst>
+            <pc:docMk/>
+            <pc:sldMk cId="1839938377" sldId="267"/>
+            <ac:cxnSpMk id="10" creationId="{DCABA7D8-6B93-8FCB-BBE3-5C54341560BF}"/>
+          </ac:cxnSpMkLst>
+        </pc:cxnChg>
+      </pc:sldChg>
+      <pc:sldChg chg="modSp add mod">
+        <pc:chgData name="Aldacher, Muhammad" userId="12bec936-7d77-4747-ae5c-755e57d88fa4" providerId="ADAL" clId="{B75947F4-66F3-4329-8B64-42C8055B8AF2}" dt="2024-11-24T22:22:27.086" v="1950"/>
+        <pc:sldMkLst>
+          <pc:docMk/>
+          <pc:sldMk cId="993240510" sldId="268"/>
+        </pc:sldMkLst>
+        <pc:spChg chg="mod">
+          <ac:chgData name="Aldacher, Muhammad" userId="12bec936-7d77-4747-ae5c-755e57d88fa4" providerId="ADAL" clId="{B75947F4-66F3-4329-8B64-42C8055B8AF2}" dt="2024-11-24T22:22:27.086" v="1950"/>
+          <ac:spMkLst>
+            <pc:docMk/>
+            <pc:sldMk cId="993240510" sldId="268"/>
+            <ac:spMk id="2" creationId="{99874354-0B93-9A50-DDB4-408E2D577F59}"/>
+          </ac:spMkLst>
+        </pc:spChg>
+      </pc:sldChg>
+      <pc:sldChg chg="delSp modSp add mod ord">
+        <pc:chgData name="Aldacher, Muhammad" userId="12bec936-7d77-4747-ae5c-755e57d88fa4" providerId="ADAL" clId="{B75947F4-66F3-4329-8B64-42C8055B8AF2}" dt="2024-11-25T04:30:43.425" v="2101" actId="1076"/>
+        <pc:sldMkLst>
+          <pc:docMk/>
+          <pc:sldMk cId="4117462994" sldId="269"/>
+        </pc:sldMkLst>
+        <pc:spChg chg="mod">
+          <ac:chgData name="Aldacher, Muhammad" userId="12bec936-7d77-4747-ae5c-755e57d88fa4" providerId="ADAL" clId="{B75947F4-66F3-4329-8B64-42C8055B8AF2}" dt="2024-11-25T04:30:28.442" v="2100" actId="1076"/>
+          <ac:spMkLst>
+            <pc:docMk/>
+            <pc:sldMk cId="4117462994" sldId="269"/>
+            <ac:spMk id="2" creationId="{8DABCE1D-C99A-6E18-BA81-BF6DC9B45F37}"/>
+          </ac:spMkLst>
+        </pc:spChg>
+        <pc:spChg chg="del">
+          <ac:chgData name="Aldacher, Muhammad" userId="12bec936-7d77-4747-ae5c-755e57d88fa4" providerId="ADAL" clId="{B75947F4-66F3-4329-8B64-42C8055B8AF2}" dt="2024-11-25T01:41:48.707" v="2090" actId="21"/>
+          <ac:spMkLst>
+            <pc:docMk/>
+            <pc:sldMk cId="4117462994" sldId="269"/>
+            <ac:spMk id="4" creationId="{26C28991-DF50-5B9F-7906-36EBAAE44008}"/>
+          </ac:spMkLst>
+        </pc:spChg>
+        <pc:spChg chg="mod">
+          <ac:chgData name="Aldacher, Muhammad" userId="12bec936-7d77-4747-ae5c-755e57d88fa4" providerId="ADAL" clId="{B75947F4-66F3-4329-8B64-42C8055B8AF2}" dt="2024-11-25T04:30:43.425" v="2101" actId="1076"/>
+          <ac:spMkLst>
+            <pc:docMk/>
+            <pc:sldMk cId="4117462994" sldId="269"/>
+            <ac:spMk id="7" creationId="{A1D41447-F559-AD0F-9AFA-9EAEDF9B27A4}"/>
+          </ac:spMkLst>
+        </pc:spChg>
+        <pc:spChg chg="mod">
+          <ac:chgData name="Aldacher, Muhammad" userId="12bec936-7d77-4747-ae5c-755e57d88fa4" providerId="ADAL" clId="{B75947F4-66F3-4329-8B64-42C8055B8AF2}" dt="2024-11-25T04:30:43.425" v="2101" actId="1076"/>
+          <ac:spMkLst>
+            <pc:docMk/>
+            <pc:sldMk cId="4117462994" sldId="269"/>
+            <ac:spMk id="8" creationId="{EF4F6DC3-4D23-8BE9-D603-AA0199C9125C}"/>
+          </ac:spMkLst>
+        </pc:spChg>
+        <pc:spChg chg="mod">
+          <ac:chgData name="Aldacher, Muhammad" userId="12bec936-7d77-4747-ae5c-755e57d88fa4" providerId="ADAL" clId="{B75947F4-66F3-4329-8B64-42C8055B8AF2}" dt="2024-11-25T04:30:43.425" v="2101" actId="1076"/>
+          <ac:spMkLst>
+            <pc:docMk/>
+            <pc:sldMk cId="4117462994" sldId="269"/>
+            <ac:spMk id="11" creationId="{6B1A35A1-7D27-7949-E6CE-266B7997A97F}"/>
+          </ac:spMkLst>
+        </pc:spChg>
+        <pc:picChg chg="mod">
+          <ac:chgData name="Aldacher, Muhammad" userId="12bec936-7d77-4747-ae5c-755e57d88fa4" providerId="ADAL" clId="{B75947F4-66F3-4329-8B64-42C8055B8AF2}" dt="2024-11-25T04:30:43.425" v="2101" actId="1076"/>
+          <ac:picMkLst>
+            <pc:docMk/>
+            <pc:sldMk cId="4117462994" sldId="269"/>
+            <ac:picMk id="6" creationId="{B8732702-8425-4BFD-8D92-FA98C4E10BC5}"/>
+          </ac:picMkLst>
+        </pc:picChg>
+        <pc:cxnChg chg="mod">
+          <ac:chgData name="Aldacher, Muhammad" userId="12bec936-7d77-4747-ae5c-755e57d88fa4" providerId="ADAL" clId="{B75947F4-66F3-4329-8B64-42C8055B8AF2}" dt="2024-11-25T04:30:43.425" v="2101" actId="1076"/>
+          <ac:cxnSpMkLst>
+            <pc:docMk/>
+            <pc:sldMk cId="4117462994" sldId="269"/>
+            <ac:cxnSpMk id="10" creationId="{DCABA7D8-6B93-8FCB-BBE3-5C54341560BF}"/>
+          </ac:cxnSpMkLst>
+        </pc:cxnChg>
+      </pc:sldChg>
+      <pc:sldChg chg="new del">
+        <pc:chgData name="Aldacher, Muhammad" userId="12bec936-7d77-4747-ae5c-755e57d88fa4" providerId="ADAL" clId="{B75947F4-66F3-4329-8B64-42C8055B8AF2}" dt="2024-11-25T04:41:02.607" v="2272" actId="47"/>
+        <pc:sldMkLst>
+          <pc:docMk/>
+          <pc:sldMk cId="1199459987" sldId="270"/>
+        </pc:sldMkLst>
+      </pc:sldChg>
+    </pc:docChg>
+  </pc:docChgLst>
+  <pc:docChgLst>
     <pc:chgData name="Aldacher, Muhammad" userId="12bec936-7d77-4747-ae5c-755e57d88fa4" providerId="ADAL" clId="{BBC8C393-44D0-4C20-A3FC-A32AACEC057D}"/>
     <pc:docChg chg="undo custSel addSld modSld modSection">
       <pc:chgData name="Aldacher, Muhammad" userId="12bec936-7d77-4747-ae5c-755e57d88fa4" providerId="ADAL" clId="{BBC8C393-44D0-4C20-A3FC-A32AACEC057D}" dt="2024-11-28T03:14:22.599" v="1558" actId="14100"/>
@@ -1740,1128 +2862,6 @@
             <ac:spMk id="3" creationId="{8D7ECA22-A549-4CE2-7DBF-B5A4F6CA111C}"/>
           </ac:spMkLst>
         </pc:spChg>
-      </pc:sldChg>
-    </pc:docChg>
-  </pc:docChgLst>
-  <pc:docChgLst>
-    <pc:chgData name="Aldacher, Muhammad" userId="12bec936-7d77-4747-ae5c-755e57d88fa4" providerId="ADAL" clId="{B75947F4-66F3-4329-8B64-42C8055B8AF2}"/>
-    <pc:docChg chg="undo redo custSel addSld delSld modSld sldOrd addSection modSection">
-      <pc:chgData name="Aldacher, Muhammad" userId="12bec936-7d77-4747-ae5c-755e57d88fa4" providerId="ADAL" clId="{B75947F4-66F3-4329-8B64-42C8055B8AF2}" dt="2024-11-26T00:16:03.870" v="2378" actId="688"/>
-      <pc:docMkLst>
-        <pc:docMk/>
-      </pc:docMkLst>
-      <pc:sldChg chg="modSp new mod">
-        <pc:chgData name="Aldacher, Muhammad" userId="12bec936-7d77-4747-ae5c-755e57d88fa4" providerId="ADAL" clId="{B75947F4-66F3-4329-8B64-42C8055B8AF2}" dt="2024-11-23T16:26:27.993" v="22" actId="20577"/>
-        <pc:sldMkLst>
-          <pc:docMk/>
-          <pc:sldMk cId="39898455" sldId="256"/>
-        </pc:sldMkLst>
-        <pc:spChg chg="mod">
-          <ac:chgData name="Aldacher, Muhammad" userId="12bec936-7d77-4747-ae5c-755e57d88fa4" providerId="ADAL" clId="{B75947F4-66F3-4329-8B64-42C8055B8AF2}" dt="2024-11-23T16:26:23.631" v="16" actId="20577"/>
-          <ac:spMkLst>
-            <pc:docMk/>
-            <pc:sldMk cId="39898455" sldId="256"/>
-            <ac:spMk id="2" creationId="{99874354-0B93-9A50-DDB4-408E2D577F59}"/>
-          </ac:spMkLst>
-        </pc:spChg>
-        <pc:spChg chg="mod">
-          <ac:chgData name="Aldacher, Muhammad" userId="12bec936-7d77-4747-ae5c-755e57d88fa4" providerId="ADAL" clId="{B75947F4-66F3-4329-8B64-42C8055B8AF2}" dt="2024-11-23T16:26:27.993" v="22" actId="20577"/>
-          <ac:spMkLst>
-            <pc:docMk/>
-            <pc:sldMk cId="39898455" sldId="256"/>
-            <ac:spMk id="3" creationId="{F80AE422-FE27-280F-768A-41FBE76BB72D}"/>
-          </ac:spMkLst>
-        </pc:spChg>
-      </pc:sldChg>
-      <pc:sldChg chg="addSp delSp modSp new mod">
-        <pc:chgData name="Aldacher, Muhammad" userId="12bec936-7d77-4747-ae5c-755e57d88fa4" providerId="ADAL" clId="{B75947F4-66F3-4329-8B64-42C8055B8AF2}" dt="2024-11-24T19:27:43.838" v="1297" actId="20577"/>
-        <pc:sldMkLst>
-          <pc:docMk/>
-          <pc:sldMk cId="1180650417" sldId="257"/>
-        </pc:sldMkLst>
-        <pc:spChg chg="mod">
-          <ac:chgData name="Aldacher, Muhammad" userId="12bec936-7d77-4747-ae5c-755e57d88fa4" providerId="ADAL" clId="{B75947F4-66F3-4329-8B64-42C8055B8AF2}" dt="2024-11-23T17:11:55.529" v="112" actId="14100"/>
-          <ac:spMkLst>
-            <pc:docMk/>
-            <pc:sldMk cId="1180650417" sldId="257"/>
-            <ac:spMk id="2" creationId="{64DD59C5-A4BF-A490-983B-C920A8891AB5}"/>
-          </ac:spMkLst>
-        </pc:spChg>
-        <pc:spChg chg="del">
-          <ac:chgData name="Aldacher, Muhammad" userId="12bec936-7d77-4747-ae5c-755e57d88fa4" providerId="ADAL" clId="{B75947F4-66F3-4329-8B64-42C8055B8AF2}" dt="2024-11-23T16:28:49.661" v="23" actId="22"/>
-          <ac:spMkLst>
-            <pc:docMk/>
-            <pc:sldMk cId="1180650417" sldId="257"/>
-            <ac:spMk id="3" creationId="{3B7C8E10-20DE-DA03-FE58-8F67934E293D}"/>
-          </ac:spMkLst>
-        </pc:spChg>
-        <pc:spChg chg="add mod">
-          <ac:chgData name="Aldacher, Muhammad" userId="12bec936-7d77-4747-ae5c-755e57d88fa4" providerId="ADAL" clId="{B75947F4-66F3-4329-8B64-42C8055B8AF2}" dt="2024-11-23T20:44:04.988" v="1157" actId="1076"/>
-          <ac:spMkLst>
-            <pc:docMk/>
-            <pc:sldMk cId="1180650417" sldId="257"/>
-            <ac:spMk id="10" creationId="{B685DF61-119D-62F1-B287-7321FC96AB57}"/>
-          </ac:spMkLst>
-        </pc:spChg>
-        <pc:spChg chg="add mod">
-          <ac:chgData name="Aldacher, Muhammad" userId="12bec936-7d77-4747-ae5c-755e57d88fa4" providerId="ADAL" clId="{B75947F4-66F3-4329-8B64-42C8055B8AF2}" dt="2024-11-24T19:27:43.838" v="1297" actId="20577"/>
-          <ac:spMkLst>
-            <pc:docMk/>
-            <pc:sldMk cId="1180650417" sldId="257"/>
-            <ac:spMk id="14" creationId="{83F8B368-75D9-1878-9FC6-BAC66BD48AC5}"/>
-          </ac:spMkLst>
-        </pc:spChg>
-        <pc:picChg chg="add mod ord">
-          <ac:chgData name="Aldacher, Muhammad" userId="12bec936-7d77-4747-ae5c-755e57d88fa4" providerId="ADAL" clId="{B75947F4-66F3-4329-8B64-42C8055B8AF2}" dt="2024-11-23T17:11:46.100" v="110" actId="1076"/>
-          <ac:picMkLst>
-            <pc:docMk/>
-            <pc:sldMk cId="1180650417" sldId="257"/>
-            <ac:picMk id="5" creationId="{EB66EBDF-C300-ED0C-26E2-BF7559969D7F}"/>
-          </ac:picMkLst>
-        </pc:picChg>
-        <pc:cxnChg chg="add mod">
-          <ac:chgData name="Aldacher, Muhammad" userId="12bec936-7d77-4747-ae5c-755e57d88fa4" providerId="ADAL" clId="{B75947F4-66F3-4329-8B64-42C8055B8AF2}" dt="2024-11-23T20:44:04.988" v="1157" actId="1076"/>
-          <ac:cxnSpMkLst>
-            <pc:docMk/>
-            <pc:sldMk cId="1180650417" sldId="257"/>
-            <ac:cxnSpMk id="7" creationId="{EB219F9A-CC8B-E700-F018-FF2788317A67}"/>
-          </ac:cxnSpMkLst>
-        </pc:cxnChg>
-        <pc:cxnChg chg="add mod">
-          <ac:chgData name="Aldacher, Muhammad" userId="12bec936-7d77-4747-ae5c-755e57d88fa4" providerId="ADAL" clId="{B75947F4-66F3-4329-8B64-42C8055B8AF2}" dt="2024-11-24T06:13:39.485" v="1159" actId="14100"/>
-          <ac:cxnSpMkLst>
-            <pc:docMk/>
-            <pc:sldMk cId="1180650417" sldId="257"/>
-            <ac:cxnSpMk id="12" creationId="{F5D63C04-7090-3BB0-9E46-B57293F1AE85}"/>
-          </ac:cxnSpMkLst>
-        </pc:cxnChg>
-      </pc:sldChg>
-      <pc:sldChg chg="addSp delSp modSp new mod">
-        <pc:chgData name="Aldacher, Muhammad" userId="12bec936-7d77-4747-ae5c-755e57d88fa4" providerId="ADAL" clId="{B75947F4-66F3-4329-8B64-42C8055B8AF2}" dt="2024-11-24T21:55:38.578" v="1927" actId="1036"/>
-        <pc:sldMkLst>
-          <pc:docMk/>
-          <pc:sldMk cId="2632519550" sldId="258"/>
-        </pc:sldMkLst>
-        <pc:spChg chg="mod">
-          <ac:chgData name="Aldacher, Muhammad" userId="12bec936-7d77-4747-ae5c-755e57d88fa4" providerId="ADAL" clId="{B75947F4-66F3-4329-8B64-42C8055B8AF2}" dt="2024-11-23T16:32:16.084" v="69" actId="20577"/>
-          <ac:spMkLst>
-            <pc:docMk/>
-            <pc:sldMk cId="2632519550" sldId="258"/>
-            <ac:spMk id="2" creationId="{23CA67C0-232D-3138-4FC9-B91C8715ED98}"/>
-          </ac:spMkLst>
-        </pc:spChg>
-        <pc:spChg chg="del">
-          <ac:chgData name="Aldacher, Muhammad" userId="12bec936-7d77-4747-ae5c-755e57d88fa4" providerId="ADAL" clId="{B75947F4-66F3-4329-8B64-42C8055B8AF2}" dt="2024-11-23T16:53:29.269" v="72" actId="22"/>
-          <ac:spMkLst>
-            <pc:docMk/>
-            <pc:sldMk cId="2632519550" sldId="258"/>
-            <ac:spMk id="3" creationId="{68D9EEC1-B558-7B98-929C-938AB5F7CED0}"/>
-          </ac:spMkLst>
-        </pc:spChg>
-        <pc:spChg chg="add del">
-          <ac:chgData name="Aldacher, Muhammad" userId="12bec936-7d77-4747-ae5c-755e57d88fa4" providerId="ADAL" clId="{B75947F4-66F3-4329-8B64-42C8055B8AF2}" dt="2024-11-23T16:43:07.580" v="71" actId="478"/>
-          <ac:spMkLst>
-            <pc:docMk/>
-            <pc:sldMk cId="2632519550" sldId="258"/>
-            <ac:spMk id="5" creationId="{9D016EF1-04E7-30D2-A393-0E5078D4801C}"/>
-          </ac:spMkLst>
-        </pc:spChg>
-        <pc:spChg chg="add mod">
-          <ac:chgData name="Aldacher, Muhammad" userId="12bec936-7d77-4747-ae5c-755e57d88fa4" providerId="ADAL" clId="{B75947F4-66F3-4329-8B64-42C8055B8AF2}" dt="2024-11-23T17:57:35.237" v="893" actId="1037"/>
-          <ac:spMkLst>
-            <pc:docMk/>
-            <pc:sldMk cId="2632519550" sldId="258"/>
-            <ac:spMk id="10" creationId="{D3F90230-1009-0EFF-976A-9CABB562BE96}"/>
-          </ac:spMkLst>
-        </pc:spChg>
-        <pc:spChg chg="add mod">
-          <ac:chgData name="Aldacher, Muhammad" userId="12bec936-7d77-4747-ae5c-755e57d88fa4" providerId="ADAL" clId="{B75947F4-66F3-4329-8B64-42C8055B8AF2}" dt="2024-11-23T17:57:35.237" v="893" actId="1037"/>
-          <ac:spMkLst>
-            <pc:docMk/>
-            <pc:sldMk cId="2632519550" sldId="258"/>
-            <ac:spMk id="11" creationId="{C365C516-3A0E-E562-1A6E-EE53F94A8419}"/>
-          </ac:spMkLst>
-        </pc:spChg>
-        <pc:spChg chg="add mod">
-          <ac:chgData name="Aldacher, Muhammad" userId="12bec936-7d77-4747-ae5c-755e57d88fa4" providerId="ADAL" clId="{B75947F4-66F3-4329-8B64-42C8055B8AF2}" dt="2024-11-24T19:23:54.787" v="1242" actId="1035"/>
-          <ac:spMkLst>
-            <pc:docMk/>
-            <pc:sldMk cId="2632519550" sldId="258"/>
-            <ac:spMk id="12" creationId="{F01B7038-3147-A25B-6CD9-BBBE63D8DEA5}"/>
-          </ac:spMkLst>
-        </pc:spChg>
-        <pc:spChg chg="add mod">
-          <ac:chgData name="Aldacher, Muhammad" userId="12bec936-7d77-4747-ae5c-755e57d88fa4" providerId="ADAL" clId="{B75947F4-66F3-4329-8B64-42C8055B8AF2}" dt="2024-11-23T17:57:35.237" v="893" actId="1037"/>
-          <ac:spMkLst>
-            <pc:docMk/>
-            <pc:sldMk cId="2632519550" sldId="258"/>
-            <ac:spMk id="13" creationId="{B7096306-994C-BDAF-7645-8EF2B70A1F06}"/>
-          </ac:spMkLst>
-        </pc:spChg>
-        <pc:spChg chg="add mod">
-          <ac:chgData name="Aldacher, Muhammad" userId="12bec936-7d77-4747-ae5c-755e57d88fa4" providerId="ADAL" clId="{B75947F4-66F3-4329-8B64-42C8055B8AF2}" dt="2024-11-23T17:57:35.237" v="893" actId="1037"/>
-          <ac:spMkLst>
-            <pc:docMk/>
-            <pc:sldMk cId="2632519550" sldId="258"/>
-            <ac:spMk id="14" creationId="{6CA314A7-6246-6ADF-DF4B-05E3842424B3}"/>
-          </ac:spMkLst>
-        </pc:spChg>
-        <pc:spChg chg="add mod">
-          <ac:chgData name="Aldacher, Muhammad" userId="12bec936-7d77-4747-ae5c-755e57d88fa4" providerId="ADAL" clId="{B75947F4-66F3-4329-8B64-42C8055B8AF2}" dt="2024-11-23T17:57:35.237" v="893" actId="1037"/>
-          <ac:spMkLst>
-            <pc:docMk/>
-            <pc:sldMk cId="2632519550" sldId="258"/>
-            <ac:spMk id="15" creationId="{89B562AA-4928-AC81-A00D-51737D448CC7}"/>
-          </ac:spMkLst>
-        </pc:spChg>
-        <pc:spChg chg="add mod">
-          <ac:chgData name="Aldacher, Muhammad" userId="12bec936-7d77-4747-ae5c-755e57d88fa4" providerId="ADAL" clId="{B75947F4-66F3-4329-8B64-42C8055B8AF2}" dt="2024-11-23T17:57:35.237" v="893" actId="1037"/>
-          <ac:spMkLst>
-            <pc:docMk/>
-            <pc:sldMk cId="2632519550" sldId="258"/>
-            <ac:spMk id="16" creationId="{C12EF20D-227D-4093-0FAD-1C9E0D344958}"/>
-          </ac:spMkLst>
-        </pc:spChg>
-        <pc:spChg chg="add mod">
-          <ac:chgData name="Aldacher, Muhammad" userId="12bec936-7d77-4747-ae5c-755e57d88fa4" providerId="ADAL" clId="{B75947F4-66F3-4329-8B64-42C8055B8AF2}" dt="2024-11-24T19:23:54.787" v="1242" actId="1035"/>
-          <ac:spMkLst>
-            <pc:docMk/>
-            <pc:sldMk cId="2632519550" sldId="258"/>
-            <ac:spMk id="17" creationId="{49DABE66-A631-48F0-617C-30C1A7667EEB}"/>
-          </ac:spMkLst>
-        </pc:spChg>
-        <pc:spChg chg="add mod">
-          <ac:chgData name="Aldacher, Muhammad" userId="12bec936-7d77-4747-ae5c-755e57d88fa4" providerId="ADAL" clId="{B75947F4-66F3-4329-8B64-42C8055B8AF2}" dt="2024-11-24T19:23:54.787" v="1242" actId="1035"/>
-          <ac:spMkLst>
-            <pc:docMk/>
-            <pc:sldMk cId="2632519550" sldId="258"/>
-            <ac:spMk id="18" creationId="{0F85274C-F4F5-193E-1656-670D001FC3DA}"/>
-          </ac:spMkLst>
-        </pc:spChg>
-        <pc:spChg chg="add mod">
-          <ac:chgData name="Aldacher, Muhammad" userId="12bec936-7d77-4747-ae5c-755e57d88fa4" providerId="ADAL" clId="{B75947F4-66F3-4329-8B64-42C8055B8AF2}" dt="2024-11-24T21:55:05.756" v="1895" actId="255"/>
-          <ac:spMkLst>
-            <pc:docMk/>
-            <pc:sldMk cId="2632519550" sldId="258"/>
-            <ac:spMk id="19" creationId="{523E3E88-EE48-E39A-41ED-0064B18B6BB7}"/>
-          </ac:spMkLst>
-        </pc:spChg>
-        <pc:spChg chg="add mod">
-          <ac:chgData name="Aldacher, Muhammad" userId="12bec936-7d77-4747-ae5c-755e57d88fa4" providerId="ADAL" clId="{B75947F4-66F3-4329-8B64-42C8055B8AF2}" dt="2024-11-24T21:55:38.578" v="1927" actId="1036"/>
-          <ac:spMkLst>
-            <pc:docMk/>
-            <pc:sldMk cId="2632519550" sldId="258"/>
-            <ac:spMk id="21" creationId="{A8E9F08D-25D5-9D8B-7A52-36E2D65FF9D0}"/>
-          </ac:spMkLst>
-        </pc:spChg>
-        <pc:picChg chg="add mod ord">
-          <ac:chgData name="Aldacher, Muhammad" userId="12bec936-7d77-4747-ae5c-755e57d88fa4" providerId="ADAL" clId="{B75947F4-66F3-4329-8B64-42C8055B8AF2}" dt="2024-11-23T17:57:35.237" v="893" actId="1037"/>
-          <ac:picMkLst>
-            <pc:docMk/>
-            <pc:sldMk cId="2632519550" sldId="258"/>
-            <ac:picMk id="7" creationId="{889E98F7-A7EA-3C67-339E-359BFCEC270D}"/>
-          </ac:picMkLst>
-        </pc:picChg>
-        <pc:picChg chg="add del mod">
-          <ac:chgData name="Aldacher, Muhammad" userId="12bec936-7d77-4747-ae5c-755e57d88fa4" providerId="ADAL" clId="{B75947F4-66F3-4329-8B64-42C8055B8AF2}" dt="2024-11-23T17:04:37.032" v="95" actId="478"/>
-          <ac:picMkLst>
-            <pc:docMk/>
-            <pc:sldMk cId="2632519550" sldId="258"/>
-            <ac:picMk id="9" creationId="{71E4F3C4-4024-BE79-339E-D1D6776C33E3}"/>
-          </ac:picMkLst>
-        </pc:picChg>
-      </pc:sldChg>
-      <pc:sldChg chg="addSp delSp modSp add mod">
-        <pc:chgData name="Aldacher, Muhammad" userId="12bec936-7d77-4747-ae5c-755e57d88fa4" providerId="ADAL" clId="{B75947F4-66F3-4329-8B64-42C8055B8AF2}" dt="2024-11-24T21:55:45.081" v="1937" actId="1036"/>
-        <pc:sldMkLst>
-          <pc:docMk/>
-          <pc:sldMk cId="1037584795" sldId="259"/>
-        </pc:sldMkLst>
-        <pc:spChg chg="mod">
-          <ac:chgData name="Aldacher, Muhammad" userId="12bec936-7d77-4747-ae5c-755e57d88fa4" providerId="ADAL" clId="{B75947F4-66F3-4329-8B64-42C8055B8AF2}" dt="2024-11-23T17:11:25.209" v="103" actId="20577"/>
-          <ac:spMkLst>
-            <pc:docMk/>
-            <pc:sldMk cId="1037584795" sldId="259"/>
-            <ac:spMk id="2" creationId="{23CA67C0-232D-3138-4FC9-B91C8715ED98}"/>
-          </ac:spMkLst>
-        </pc:spChg>
-        <pc:spChg chg="add del mod">
-          <ac:chgData name="Aldacher, Muhammad" userId="12bec936-7d77-4747-ae5c-755e57d88fa4" providerId="ADAL" clId="{B75947F4-66F3-4329-8B64-42C8055B8AF2}" dt="2024-11-23T17:04:44.107" v="98" actId="478"/>
-          <ac:spMkLst>
-            <pc:docMk/>
-            <pc:sldMk cId="1037584795" sldId="259"/>
-            <ac:spMk id="4" creationId="{C1C9AE5E-D934-B1D8-D68B-B4D45705C32A}"/>
-          </ac:spMkLst>
-        </pc:spChg>
-        <pc:spChg chg="add mod">
-          <ac:chgData name="Aldacher, Muhammad" userId="12bec936-7d77-4747-ae5c-755e57d88fa4" providerId="ADAL" clId="{B75947F4-66F3-4329-8B64-42C8055B8AF2}" dt="2024-11-23T17:57:22.025" v="873" actId="1037"/>
-          <ac:spMkLst>
-            <pc:docMk/>
-            <pc:sldMk cId="1037584795" sldId="259"/>
-            <ac:spMk id="6" creationId="{7C35E328-E400-4D89-CA09-37E45EA7F7D3}"/>
-          </ac:spMkLst>
-        </pc:spChg>
-        <pc:spChg chg="add mod">
-          <ac:chgData name="Aldacher, Muhammad" userId="12bec936-7d77-4747-ae5c-755e57d88fa4" providerId="ADAL" clId="{B75947F4-66F3-4329-8B64-42C8055B8AF2}" dt="2024-11-23T17:19:19.596" v="213"/>
-          <ac:spMkLst>
-            <pc:docMk/>
-            <pc:sldMk cId="1037584795" sldId="259"/>
-            <ac:spMk id="8" creationId="{E6341E3D-1352-E56B-283E-548196C203C6}"/>
-          </ac:spMkLst>
-        </pc:spChg>
-        <pc:spChg chg="add mod">
-          <ac:chgData name="Aldacher, Muhammad" userId="12bec936-7d77-4747-ae5c-755e57d88fa4" providerId="ADAL" clId="{B75947F4-66F3-4329-8B64-42C8055B8AF2}" dt="2024-11-23T17:57:22.025" v="873" actId="1037"/>
-          <ac:spMkLst>
-            <pc:docMk/>
-            <pc:sldMk cId="1037584795" sldId="259"/>
-            <ac:spMk id="10" creationId="{B0933739-4E89-377A-93B1-6C395339B220}"/>
-          </ac:spMkLst>
-        </pc:spChg>
-        <pc:spChg chg="add mod">
-          <ac:chgData name="Aldacher, Muhammad" userId="12bec936-7d77-4747-ae5c-755e57d88fa4" providerId="ADAL" clId="{B75947F4-66F3-4329-8B64-42C8055B8AF2}" dt="2024-11-23T17:57:22.025" v="873" actId="1037"/>
-          <ac:spMkLst>
-            <pc:docMk/>
-            <pc:sldMk cId="1037584795" sldId="259"/>
-            <ac:spMk id="11" creationId="{4105C19A-6689-087D-D0C9-87EECA7520AF}"/>
-          </ac:spMkLst>
-        </pc:spChg>
-        <pc:spChg chg="add mod">
-          <ac:chgData name="Aldacher, Muhammad" userId="12bec936-7d77-4747-ae5c-755e57d88fa4" providerId="ADAL" clId="{B75947F4-66F3-4329-8B64-42C8055B8AF2}" dt="2024-11-23T17:57:22.025" v="873" actId="1037"/>
-          <ac:spMkLst>
-            <pc:docMk/>
-            <pc:sldMk cId="1037584795" sldId="259"/>
-            <ac:spMk id="12" creationId="{D290E5DB-9AD7-99B3-362A-B945DE76A8D2}"/>
-          </ac:spMkLst>
-        </pc:spChg>
-        <pc:spChg chg="add mod">
-          <ac:chgData name="Aldacher, Muhammad" userId="12bec936-7d77-4747-ae5c-755e57d88fa4" providerId="ADAL" clId="{B75947F4-66F3-4329-8B64-42C8055B8AF2}" dt="2024-11-23T17:57:22.025" v="873" actId="1037"/>
-          <ac:spMkLst>
-            <pc:docMk/>
-            <pc:sldMk cId="1037584795" sldId="259"/>
-            <ac:spMk id="13" creationId="{154C9D94-819D-F5C1-EADC-1155063E1FC3}"/>
-          </ac:spMkLst>
-        </pc:spChg>
-        <pc:spChg chg="add del mod">
-          <ac:chgData name="Aldacher, Muhammad" userId="12bec936-7d77-4747-ae5c-755e57d88fa4" providerId="ADAL" clId="{B75947F4-66F3-4329-8B64-42C8055B8AF2}" dt="2024-11-23T19:16:01.457" v="1141" actId="21"/>
-          <ac:spMkLst>
-            <pc:docMk/>
-            <pc:sldMk cId="1037584795" sldId="259"/>
-            <ac:spMk id="14" creationId="{03373C51-A818-E6B7-1928-B2B2A908EB97}"/>
-          </ac:spMkLst>
-        </pc:spChg>
-        <pc:spChg chg="add del mod">
-          <ac:chgData name="Aldacher, Muhammad" userId="12bec936-7d77-4747-ae5c-755e57d88fa4" providerId="ADAL" clId="{B75947F4-66F3-4329-8B64-42C8055B8AF2}" dt="2024-11-23T17:32:04.761" v="402" actId="478"/>
-          <ac:spMkLst>
-            <pc:docMk/>
-            <pc:sldMk cId="1037584795" sldId="259"/>
-            <ac:spMk id="15" creationId="{42BCCD40-957F-DFB7-D047-54FF76E11586}"/>
-          </ac:spMkLst>
-        </pc:spChg>
-        <pc:spChg chg="add del mod">
-          <ac:chgData name="Aldacher, Muhammad" userId="12bec936-7d77-4747-ae5c-755e57d88fa4" providerId="ADAL" clId="{B75947F4-66F3-4329-8B64-42C8055B8AF2}" dt="2024-11-23T17:32:04.761" v="402" actId="478"/>
-          <ac:spMkLst>
-            <pc:docMk/>
-            <pc:sldMk cId="1037584795" sldId="259"/>
-            <ac:spMk id="16" creationId="{153E0713-C8F6-F151-FCAA-3BE2288140CF}"/>
-          </ac:spMkLst>
-        </pc:spChg>
-        <pc:spChg chg="add mod">
-          <ac:chgData name="Aldacher, Muhammad" userId="12bec936-7d77-4747-ae5c-755e57d88fa4" providerId="ADAL" clId="{B75947F4-66F3-4329-8B64-42C8055B8AF2}" dt="2024-11-24T19:26:04.630" v="1290" actId="20577"/>
-          <ac:spMkLst>
-            <pc:docMk/>
-            <pc:sldMk cId="1037584795" sldId="259"/>
-            <ac:spMk id="17" creationId="{C79FD6BE-7559-0C59-0868-CB9C686E02C7}"/>
-          </ac:spMkLst>
-        </pc:spChg>
-        <pc:spChg chg="add mod">
-          <ac:chgData name="Aldacher, Muhammad" userId="12bec936-7d77-4747-ae5c-755e57d88fa4" providerId="ADAL" clId="{B75947F4-66F3-4329-8B64-42C8055B8AF2}" dt="2024-11-24T19:25:50.645" v="1282" actId="20577"/>
-          <ac:spMkLst>
-            <pc:docMk/>
-            <pc:sldMk cId="1037584795" sldId="259"/>
-            <ac:spMk id="18" creationId="{F0CA5458-21C0-1C54-BCA7-1F0F07DD159A}"/>
-          </ac:spMkLst>
-        </pc:spChg>
-        <pc:spChg chg="add mod">
-          <ac:chgData name="Aldacher, Muhammad" userId="12bec936-7d77-4747-ae5c-755e57d88fa4" providerId="ADAL" clId="{B75947F4-66F3-4329-8B64-42C8055B8AF2}" dt="2024-11-24T19:29:59.993" v="1366" actId="20577"/>
-          <ac:spMkLst>
-            <pc:docMk/>
-            <pc:sldMk cId="1037584795" sldId="259"/>
-            <ac:spMk id="19" creationId="{C48AF4D2-5249-209B-B192-B8719944812F}"/>
-          </ac:spMkLst>
-        </pc:spChg>
-        <pc:spChg chg="add mod">
-          <ac:chgData name="Aldacher, Muhammad" userId="12bec936-7d77-4747-ae5c-755e57d88fa4" providerId="ADAL" clId="{B75947F4-66F3-4329-8B64-42C8055B8AF2}" dt="2024-11-24T21:55:45.081" v="1937" actId="1036"/>
-          <ac:spMkLst>
-            <pc:docMk/>
-            <pc:sldMk cId="1037584795" sldId="259"/>
-            <ac:spMk id="20" creationId="{44FE3F0F-70B4-92A4-3F73-50FF4B63A771}"/>
-          </ac:spMkLst>
-        </pc:spChg>
-        <pc:spChg chg="add del mod">
-          <ac:chgData name="Aldacher, Muhammad" userId="12bec936-7d77-4747-ae5c-755e57d88fa4" providerId="ADAL" clId="{B75947F4-66F3-4329-8B64-42C8055B8AF2}" dt="2024-11-24T06:15:25.930" v="1160" actId="478"/>
-          <ac:spMkLst>
-            <pc:docMk/>
-            <pc:sldMk cId="1037584795" sldId="259"/>
-            <ac:spMk id="21" creationId="{5382CE3F-55F4-C0A1-B12B-B6EE5A3651DE}"/>
-          </ac:spMkLst>
-        </pc:spChg>
-        <pc:spChg chg="add mod">
-          <ac:chgData name="Aldacher, Muhammad" userId="12bec936-7d77-4747-ae5c-755e57d88fa4" providerId="ADAL" clId="{B75947F4-66F3-4329-8B64-42C8055B8AF2}" dt="2024-11-23T19:16:01.834" v="1142"/>
-          <ac:spMkLst>
-            <pc:docMk/>
-            <pc:sldMk cId="1037584795" sldId="259"/>
-            <ac:spMk id="22" creationId="{03373C51-A818-E6B7-1928-B2B2A908EB97}"/>
-          </ac:spMkLst>
-        </pc:spChg>
-        <pc:spChg chg="add del mod topLvl">
-          <ac:chgData name="Aldacher, Muhammad" userId="12bec936-7d77-4747-ae5c-755e57d88fa4" providerId="ADAL" clId="{B75947F4-66F3-4329-8B64-42C8055B8AF2}" dt="2024-11-24T19:23:58.771" v="1245" actId="478"/>
-          <ac:spMkLst>
-            <pc:docMk/>
-            <pc:sldMk cId="1037584795" sldId="259"/>
-            <ac:spMk id="23" creationId="{60533549-50C4-651F-22D8-616C84C28385}"/>
-          </ac:spMkLst>
-        </pc:spChg>
-        <pc:grpChg chg="add del mod ord">
-          <ac:chgData name="Aldacher, Muhammad" userId="12bec936-7d77-4747-ae5c-755e57d88fa4" providerId="ADAL" clId="{B75947F4-66F3-4329-8B64-42C8055B8AF2}" dt="2024-11-24T19:23:58.771" v="1245" actId="478"/>
-          <ac:grpSpMkLst>
-            <pc:docMk/>
-            <pc:sldMk cId="1037584795" sldId="259"/>
-            <ac:grpSpMk id="24" creationId="{C8267F08-46D1-0749-834D-01B8A94B91CF}"/>
-          </ac:grpSpMkLst>
-        </pc:grpChg>
-        <pc:picChg chg="add mod topLvl">
-          <ac:chgData name="Aldacher, Muhammad" userId="12bec936-7d77-4747-ae5c-755e57d88fa4" providerId="ADAL" clId="{B75947F4-66F3-4329-8B64-42C8055B8AF2}" dt="2024-11-24T19:23:58.771" v="1245" actId="478"/>
-          <ac:picMkLst>
-            <pc:docMk/>
-            <pc:sldMk cId="1037584795" sldId="259"/>
-            <ac:picMk id="5" creationId="{71E4F3C4-4024-BE79-339E-D1D6776C33E3}"/>
-          </ac:picMkLst>
-        </pc:picChg>
-        <pc:picChg chg="del">
-          <ac:chgData name="Aldacher, Muhammad" userId="12bec936-7d77-4747-ae5c-755e57d88fa4" providerId="ADAL" clId="{B75947F4-66F3-4329-8B64-42C8055B8AF2}" dt="2024-11-23T17:04:41.187" v="97" actId="478"/>
-          <ac:picMkLst>
-            <pc:docMk/>
-            <pc:sldMk cId="1037584795" sldId="259"/>
-            <ac:picMk id="7" creationId="{889E98F7-A7EA-3C67-339E-359BFCEC270D}"/>
-          </ac:picMkLst>
-        </pc:picChg>
-        <pc:picChg chg="del">
-          <ac:chgData name="Aldacher, Muhammad" userId="12bec936-7d77-4747-ae5c-755e57d88fa4" providerId="ADAL" clId="{B75947F4-66F3-4329-8B64-42C8055B8AF2}" dt="2024-11-23T17:04:40.118" v="96" actId="21"/>
-          <ac:picMkLst>
-            <pc:docMk/>
-            <pc:sldMk cId="1037584795" sldId="259"/>
-            <ac:picMk id="9" creationId="{71E4F3C4-4024-BE79-339E-D1D6776C33E3}"/>
-          </ac:picMkLst>
-        </pc:picChg>
-      </pc:sldChg>
-      <pc:sldChg chg="addSp delSp modSp new mod">
-        <pc:chgData name="Aldacher, Muhammad" userId="12bec936-7d77-4747-ae5c-755e57d88fa4" providerId="ADAL" clId="{B75947F4-66F3-4329-8B64-42C8055B8AF2}" dt="2024-11-24T21:25:09.171" v="1758" actId="14100"/>
-        <pc:sldMkLst>
-          <pc:docMk/>
-          <pc:sldMk cId="329239609" sldId="260"/>
-        </pc:sldMkLst>
-        <pc:spChg chg="mod">
-          <ac:chgData name="Aldacher, Muhammad" userId="12bec936-7d77-4747-ae5c-755e57d88fa4" providerId="ADAL" clId="{B75947F4-66F3-4329-8B64-42C8055B8AF2}" dt="2024-11-24T19:56:41.961" v="1672" actId="20577"/>
-          <ac:spMkLst>
-            <pc:docMk/>
-            <pc:sldMk cId="329239609" sldId="260"/>
-            <ac:spMk id="2" creationId="{C8BDFD79-2C76-AC01-F838-D3D9F5706E83}"/>
-          </ac:spMkLst>
-        </pc:spChg>
-        <pc:spChg chg="del">
-          <ac:chgData name="Aldacher, Muhammad" userId="12bec936-7d77-4747-ae5c-755e57d88fa4" providerId="ADAL" clId="{B75947F4-66F3-4329-8B64-42C8055B8AF2}" dt="2024-11-24T19:56:07.909" v="1649" actId="22"/>
-          <ac:spMkLst>
-            <pc:docMk/>
-            <pc:sldMk cId="329239609" sldId="260"/>
-            <ac:spMk id="3" creationId="{65B7A056-6AA3-D84A-341F-F2034556EA45}"/>
-          </ac:spMkLst>
-        </pc:spChg>
-        <pc:spChg chg="add mod">
-          <ac:chgData name="Aldacher, Muhammad" userId="12bec936-7d77-4747-ae5c-755e57d88fa4" providerId="ADAL" clId="{B75947F4-66F3-4329-8B64-42C8055B8AF2}" dt="2024-11-24T21:25:09.171" v="1758" actId="14100"/>
-          <ac:spMkLst>
-            <pc:docMk/>
-            <pc:sldMk cId="329239609" sldId="260"/>
-            <ac:spMk id="8" creationId="{414935BC-908E-8CCE-BA21-21700E3458C9}"/>
-          </ac:spMkLst>
-        </pc:spChg>
-        <pc:spChg chg="add mod">
-          <ac:chgData name="Aldacher, Muhammad" userId="12bec936-7d77-4747-ae5c-755e57d88fa4" providerId="ADAL" clId="{B75947F4-66F3-4329-8B64-42C8055B8AF2}" dt="2024-11-24T21:23:51.075" v="1711" actId="14100"/>
-          <ac:spMkLst>
-            <pc:docMk/>
-            <pc:sldMk cId="329239609" sldId="260"/>
-            <ac:spMk id="9" creationId="{AECA0BA4-1524-AD96-B464-113EA5DF8C3E}"/>
-          </ac:spMkLst>
-        </pc:spChg>
-        <pc:spChg chg="add mod">
-          <ac:chgData name="Aldacher, Muhammad" userId="12bec936-7d77-4747-ae5c-755e57d88fa4" providerId="ADAL" clId="{B75947F4-66F3-4329-8B64-42C8055B8AF2}" dt="2024-11-24T21:23:35.861" v="1708" actId="1035"/>
-          <ac:spMkLst>
-            <pc:docMk/>
-            <pc:sldMk cId="329239609" sldId="260"/>
-            <ac:spMk id="11" creationId="{EAB6F3B1-C2BE-EEBA-10C6-74C97BD80CC7}"/>
-          </ac:spMkLst>
-        </pc:spChg>
-        <pc:picChg chg="add mod">
-          <ac:chgData name="Aldacher, Muhammad" userId="12bec936-7d77-4747-ae5c-755e57d88fa4" providerId="ADAL" clId="{B75947F4-66F3-4329-8B64-42C8055B8AF2}" dt="2024-11-24T19:56:29.920" v="1654" actId="1076"/>
-          <ac:picMkLst>
-            <pc:docMk/>
-            <pc:sldMk cId="329239609" sldId="260"/>
-            <ac:picMk id="5" creationId="{3CE92FA4-0EC6-9C08-3EDF-602D9F98D012}"/>
-          </ac:picMkLst>
-        </pc:picChg>
-        <pc:picChg chg="add mod ord">
-          <ac:chgData name="Aldacher, Muhammad" userId="12bec936-7d77-4747-ae5c-755e57d88fa4" providerId="ADAL" clId="{B75947F4-66F3-4329-8B64-42C8055B8AF2}" dt="2024-11-24T19:56:21.575" v="1653" actId="1076"/>
-          <ac:picMkLst>
-            <pc:docMk/>
-            <pc:sldMk cId="329239609" sldId="260"/>
-            <ac:picMk id="7" creationId="{8590332D-CFCC-80EB-823D-271353BFDB2B}"/>
-          </ac:picMkLst>
-        </pc:picChg>
-        <pc:cxnChg chg="add mod">
-          <ac:chgData name="Aldacher, Muhammad" userId="12bec936-7d77-4747-ae5c-755e57d88fa4" providerId="ADAL" clId="{B75947F4-66F3-4329-8B64-42C8055B8AF2}" dt="2024-11-24T21:23:35.861" v="1708" actId="1035"/>
-          <ac:cxnSpMkLst>
-            <pc:docMk/>
-            <pc:sldMk cId="329239609" sldId="260"/>
-            <ac:cxnSpMk id="10" creationId="{E18287D6-24B0-AB84-FE48-DAD690614AE0}"/>
-          </ac:cxnSpMkLst>
-        </pc:cxnChg>
-      </pc:sldChg>
-      <pc:sldChg chg="addSp delSp modSp new mod ord">
-        <pc:chgData name="Aldacher, Muhammad" userId="12bec936-7d77-4747-ae5c-755e57d88fa4" providerId="ADAL" clId="{B75947F4-66F3-4329-8B64-42C8055B8AF2}" dt="2024-11-24T19:53:40.267" v="1648" actId="1035"/>
-        <pc:sldMkLst>
-          <pc:docMk/>
-          <pc:sldMk cId="3717752631" sldId="261"/>
-        </pc:sldMkLst>
-        <pc:spChg chg="mod">
-          <ac:chgData name="Aldacher, Muhammad" userId="12bec936-7d77-4747-ae5c-755e57d88fa4" providerId="ADAL" clId="{B75947F4-66F3-4329-8B64-42C8055B8AF2}" dt="2024-11-24T19:33:12.118" v="1426" actId="20577"/>
-          <ac:spMkLst>
-            <pc:docMk/>
-            <pc:sldMk cId="3717752631" sldId="261"/>
-            <ac:spMk id="2" creationId="{79CDEDD3-66FE-FEFD-57DE-07C56CE0085E}"/>
-          </ac:spMkLst>
-        </pc:spChg>
-        <pc:spChg chg="del">
-          <ac:chgData name="Aldacher, Muhammad" userId="12bec936-7d77-4747-ae5c-755e57d88fa4" providerId="ADAL" clId="{B75947F4-66F3-4329-8B64-42C8055B8AF2}" dt="2024-11-24T19:32:37.175" v="1398" actId="478"/>
-          <ac:spMkLst>
-            <pc:docMk/>
-            <pc:sldMk cId="3717752631" sldId="261"/>
-            <ac:spMk id="3" creationId="{CE2FE4AA-02C1-7931-9121-1A6EB320DBF8}"/>
-          </ac:spMkLst>
-        </pc:spChg>
-        <pc:spChg chg="add del mod">
-          <ac:chgData name="Aldacher, Muhammad" userId="12bec936-7d77-4747-ae5c-755e57d88fa4" providerId="ADAL" clId="{B75947F4-66F3-4329-8B64-42C8055B8AF2}" dt="2024-11-24T19:42:57.529" v="1428" actId="22"/>
-          <ac:spMkLst>
-            <pc:docMk/>
-            <pc:sldMk cId="3717752631" sldId="261"/>
-            <ac:spMk id="4" creationId="{AA3B317A-7452-41B1-837F-D173C000C46B}"/>
-          </ac:spMkLst>
-        </pc:spChg>
-        <pc:spChg chg="add del mod">
-          <ac:chgData name="Aldacher, Muhammad" userId="12bec936-7d77-4747-ae5c-755e57d88fa4" providerId="ADAL" clId="{B75947F4-66F3-4329-8B64-42C8055B8AF2}" dt="2024-11-24T19:53:33.738" v="1637" actId="21"/>
-          <ac:spMkLst>
-            <pc:docMk/>
-            <pc:sldMk cId="3717752631" sldId="261"/>
-            <ac:spMk id="7" creationId="{C6A84824-B52C-51F8-7C00-F8989EBFEEE7}"/>
-          </ac:spMkLst>
-        </pc:spChg>
-        <pc:spChg chg="add del mod">
-          <ac:chgData name="Aldacher, Muhammad" userId="12bec936-7d77-4747-ae5c-755e57d88fa4" providerId="ADAL" clId="{B75947F4-66F3-4329-8B64-42C8055B8AF2}" dt="2024-11-24T19:53:33.738" v="1637" actId="21"/>
-          <ac:spMkLst>
-            <pc:docMk/>
-            <pc:sldMk cId="3717752631" sldId="261"/>
-            <ac:spMk id="8" creationId="{62BA437C-875B-8CD8-BA3F-69DADB29C5EB}"/>
-          </ac:spMkLst>
-        </pc:spChg>
-        <pc:spChg chg="add del mod">
-          <ac:chgData name="Aldacher, Muhammad" userId="12bec936-7d77-4747-ae5c-755e57d88fa4" providerId="ADAL" clId="{B75947F4-66F3-4329-8B64-42C8055B8AF2}" dt="2024-11-24T19:53:30.343" v="1636" actId="22"/>
-          <ac:spMkLst>
-            <pc:docMk/>
-            <pc:sldMk cId="3717752631" sldId="261"/>
-            <ac:spMk id="18" creationId="{5F5E6A9C-FAC1-303B-2767-CCD0A9C87FD3}"/>
-          </ac:spMkLst>
-        </pc:spChg>
-        <pc:spChg chg="add mod">
-          <ac:chgData name="Aldacher, Muhammad" userId="12bec936-7d77-4747-ae5c-755e57d88fa4" providerId="ADAL" clId="{B75947F4-66F3-4329-8B64-42C8055B8AF2}" dt="2024-11-24T19:53:34.069" v="1638"/>
-          <ac:spMkLst>
-            <pc:docMk/>
-            <pc:sldMk cId="3717752631" sldId="261"/>
-            <ac:spMk id="21" creationId="{C6A84824-B52C-51F8-7C00-F8989EBFEEE7}"/>
-          </ac:spMkLst>
-        </pc:spChg>
-        <pc:spChg chg="add mod">
-          <ac:chgData name="Aldacher, Muhammad" userId="12bec936-7d77-4747-ae5c-755e57d88fa4" providerId="ADAL" clId="{B75947F4-66F3-4329-8B64-42C8055B8AF2}" dt="2024-11-24T19:53:40.267" v="1648" actId="1035"/>
-          <ac:spMkLst>
-            <pc:docMk/>
-            <pc:sldMk cId="3717752631" sldId="261"/>
-            <ac:spMk id="22" creationId="{62BA437C-875B-8CD8-BA3F-69DADB29C5EB}"/>
-          </ac:spMkLst>
-        </pc:spChg>
-        <pc:picChg chg="add del mod ord">
-          <ac:chgData name="Aldacher, Muhammad" userId="12bec936-7d77-4747-ae5c-755e57d88fa4" providerId="ADAL" clId="{B75947F4-66F3-4329-8B64-42C8055B8AF2}" dt="2024-11-24T19:53:28.771" v="1635" actId="478"/>
-          <ac:picMkLst>
-            <pc:docMk/>
-            <pc:sldMk cId="3717752631" sldId="261"/>
-            <ac:picMk id="6" creationId="{6523478A-B81E-8C07-7CAD-8EBB73E9A653}"/>
-          </ac:picMkLst>
-        </pc:picChg>
-        <pc:picChg chg="add del">
-          <ac:chgData name="Aldacher, Muhammad" userId="12bec936-7d77-4747-ae5c-755e57d88fa4" providerId="ADAL" clId="{B75947F4-66F3-4329-8B64-42C8055B8AF2}" dt="2024-11-24T19:50:53.629" v="1617" actId="22"/>
-          <ac:picMkLst>
-            <pc:docMk/>
-            <pc:sldMk cId="3717752631" sldId="261"/>
-            <ac:picMk id="10" creationId="{7B84366C-F8D8-391D-5183-A7C7FFBAA476}"/>
-          </ac:picMkLst>
-        </pc:picChg>
-        <pc:picChg chg="add mod ord">
-          <ac:chgData name="Aldacher, Muhammad" userId="12bec936-7d77-4747-ae5c-755e57d88fa4" providerId="ADAL" clId="{B75947F4-66F3-4329-8B64-42C8055B8AF2}" dt="2024-11-24T19:53:30.343" v="1636" actId="22"/>
-          <ac:picMkLst>
-            <pc:docMk/>
-            <pc:sldMk cId="3717752631" sldId="261"/>
-            <ac:picMk id="20" creationId="{81F7BD2C-9550-A593-B012-9FAB6ADC0BAD}"/>
-          </ac:picMkLst>
-        </pc:picChg>
-        <pc:cxnChg chg="add del mod">
-          <ac:chgData name="Aldacher, Muhammad" userId="12bec936-7d77-4747-ae5c-755e57d88fa4" providerId="ADAL" clId="{B75947F4-66F3-4329-8B64-42C8055B8AF2}" dt="2024-11-24T19:53:33.738" v="1637" actId="21"/>
-          <ac:cxnSpMkLst>
-            <pc:docMk/>
-            <pc:sldMk cId="3717752631" sldId="261"/>
-            <ac:cxnSpMk id="12" creationId="{84C7A4FA-6EF6-3A74-4CFC-917704C1A6E9}"/>
-          </ac:cxnSpMkLst>
-        </pc:cxnChg>
-        <pc:cxnChg chg="add del mod">
-          <ac:chgData name="Aldacher, Muhammad" userId="12bec936-7d77-4747-ae5c-755e57d88fa4" providerId="ADAL" clId="{B75947F4-66F3-4329-8B64-42C8055B8AF2}" dt="2024-11-24T19:53:33.738" v="1637" actId="21"/>
-          <ac:cxnSpMkLst>
-            <pc:docMk/>
-            <pc:sldMk cId="3717752631" sldId="261"/>
-            <ac:cxnSpMk id="13" creationId="{1AB5B46B-BA24-A029-C778-43200698547C}"/>
-          </ac:cxnSpMkLst>
-        </pc:cxnChg>
-        <pc:cxnChg chg="add mod">
-          <ac:chgData name="Aldacher, Muhammad" userId="12bec936-7d77-4747-ae5c-755e57d88fa4" providerId="ADAL" clId="{B75947F4-66F3-4329-8B64-42C8055B8AF2}" dt="2024-11-24T19:53:40.267" v="1648" actId="1035"/>
-          <ac:cxnSpMkLst>
-            <pc:docMk/>
-            <pc:sldMk cId="3717752631" sldId="261"/>
-            <ac:cxnSpMk id="23" creationId="{84C7A4FA-6EF6-3A74-4CFC-917704C1A6E9}"/>
-          </ac:cxnSpMkLst>
-        </pc:cxnChg>
-        <pc:cxnChg chg="add mod">
-          <ac:chgData name="Aldacher, Muhammad" userId="12bec936-7d77-4747-ae5c-755e57d88fa4" providerId="ADAL" clId="{B75947F4-66F3-4329-8B64-42C8055B8AF2}" dt="2024-11-24T19:53:40.267" v="1648" actId="1035"/>
-          <ac:cxnSpMkLst>
-            <pc:docMk/>
-            <pc:sldMk cId="3717752631" sldId="261"/>
-            <ac:cxnSpMk id="24" creationId="{1AB5B46B-BA24-A029-C778-43200698547C}"/>
-          </ac:cxnSpMkLst>
-        </pc:cxnChg>
-      </pc:sldChg>
-      <pc:sldChg chg="addSp delSp modSp add mod">
-        <pc:chgData name="Aldacher, Muhammad" userId="12bec936-7d77-4747-ae5c-755e57d88fa4" providerId="ADAL" clId="{B75947F4-66F3-4329-8B64-42C8055B8AF2}" dt="2024-11-25T04:44:20.235" v="2364" actId="1076"/>
-        <pc:sldMkLst>
-          <pc:docMk/>
-          <pc:sldMk cId="2400807786" sldId="262"/>
-        </pc:sldMkLst>
-        <pc:spChg chg="mod">
-          <ac:chgData name="Aldacher, Muhammad" userId="12bec936-7d77-4747-ae5c-755e57d88fa4" providerId="ADAL" clId="{B75947F4-66F3-4329-8B64-42C8055B8AF2}" dt="2024-11-24T22:21:12.521" v="1944" actId="20577"/>
-          <ac:spMkLst>
-            <pc:docMk/>
-            <pc:sldMk cId="2400807786" sldId="262"/>
-            <ac:spMk id="2" creationId="{99874354-0B93-9A50-DDB4-408E2D577F59}"/>
-          </ac:spMkLst>
-        </pc:spChg>
-        <pc:spChg chg="del">
-          <ac:chgData name="Aldacher, Muhammad" userId="12bec936-7d77-4747-ae5c-755e57d88fa4" providerId="ADAL" clId="{B75947F4-66F3-4329-8B64-42C8055B8AF2}" dt="2024-11-24T19:32:50.905" v="1401" actId="478"/>
-          <ac:spMkLst>
-            <pc:docMk/>
-            <pc:sldMk cId="2400807786" sldId="262"/>
-            <ac:spMk id="3" creationId="{F80AE422-FE27-280F-768A-41FBE76BB72D}"/>
-          </ac:spMkLst>
-        </pc:spChg>
-        <pc:spChg chg="add del mod">
-          <ac:chgData name="Aldacher, Muhammad" userId="12bec936-7d77-4747-ae5c-755e57d88fa4" providerId="ADAL" clId="{B75947F4-66F3-4329-8B64-42C8055B8AF2}" dt="2024-11-24T19:32:52.073" v="1402" actId="478"/>
-          <ac:spMkLst>
-            <pc:docMk/>
-            <pc:sldMk cId="2400807786" sldId="262"/>
-            <ac:spMk id="5" creationId="{FD76FAAD-EE6C-349D-9D17-4F3AF5A934EF}"/>
-          </ac:spMkLst>
-        </pc:spChg>
-        <pc:spChg chg="add mod">
-          <ac:chgData name="Aldacher, Muhammad" userId="12bec936-7d77-4747-ae5c-755e57d88fa4" providerId="ADAL" clId="{B75947F4-66F3-4329-8B64-42C8055B8AF2}" dt="2024-11-25T04:44:20.235" v="2364" actId="1076"/>
-          <ac:spMkLst>
-            <pc:docMk/>
-            <pc:sldMk cId="2400807786" sldId="262"/>
-            <ac:spMk id="6" creationId="{48BA882B-4638-5E96-7265-D7D089259621}"/>
-          </ac:spMkLst>
-        </pc:spChg>
-      </pc:sldChg>
-      <pc:sldChg chg="addSp delSp modSp add mod">
-        <pc:chgData name="Aldacher, Muhammad" userId="12bec936-7d77-4747-ae5c-755e57d88fa4" providerId="ADAL" clId="{B75947F4-66F3-4329-8B64-42C8055B8AF2}" dt="2024-11-24T21:22:01.778" v="1698" actId="693"/>
-        <pc:sldMkLst>
-          <pc:docMk/>
-          <pc:sldMk cId="2208699283" sldId="263"/>
-        </pc:sldMkLst>
-        <pc:spChg chg="mod">
-          <ac:chgData name="Aldacher, Muhammad" userId="12bec936-7d77-4747-ae5c-755e57d88fa4" providerId="ADAL" clId="{B75947F4-66F3-4329-8B64-42C8055B8AF2}" dt="2024-11-24T19:43:13.500" v="1432" actId="20577"/>
-          <ac:spMkLst>
-            <pc:docMk/>
-            <pc:sldMk cId="2208699283" sldId="263"/>
-            <ac:spMk id="2" creationId="{79CDEDD3-66FE-FEFD-57DE-07C56CE0085E}"/>
-          </ac:spMkLst>
-        </pc:spChg>
-        <pc:spChg chg="add del mod">
-          <ac:chgData name="Aldacher, Muhammad" userId="12bec936-7d77-4747-ae5c-755e57d88fa4" providerId="ADAL" clId="{B75947F4-66F3-4329-8B64-42C8055B8AF2}" dt="2024-11-24T19:43:45.468" v="1434" actId="22"/>
-          <ac:spMkLst>
-            <pc:docMk/>
-            <pc:sldMk cId="2208699283" sldId="263"/>
-            <ac:spMk id="4" creationId="{EDB7803A-CB21-CE37-F47D-7481418317BB}"/>
-          </ac:spMkLst>
-        </pc:spChg>
-        <pc:spChg chg="add mod">
-          <ac:chgData name="Aldacher, Muhammad" userId="12bec936-7d77-4747-ae5c-755e57d88fa4" providerId="ADAL" clId="{B75947F4-66F3-4329-8B64-42C8055B8AF2}" dt="2024-11-24T19:45:08.045" v="1445"/>
-          <ac:spMkLst>
-            <pc:docMk/>
-            <pc:sldMk cId="2208699283" sldId="263"/>
-            <ac:spMk id="8" creationId="{75A04A7C-CB2D-433B-265B-6E6BA18B3805}"/>
-          </ac:spMkLst>
-        </pc:spChg>
-        <pc:spChg chg="add mod">
-          <ac:chgData name="Aldacher, Muhammad" userId="12bec936-7d77-4747-ae5c-755e57d88fa4" providerId="ADAL" clId="{B75947F4-66F3-4329-8B64-42C8055B8AF2}" dt="2024-11-24T21:22:01.778" v="1698" actId="693"/>
-          <ac:spMkLst>
-            <pc:docMk/>
-            <pc:sldMk cId="2208699283" sldId="263"/>
-            <ac:spMk id="9" creationId="{45E606ED-EA1E-071E-4DC7-5F8C09D50859}"/>
-          </ac:spMkLst>
-        </pc:spChg>
-        <pc:picChg chg="del">
-          <ac:chgData name="Aldacher, Muhammad" userId="12bec936-7d77-4747-ae5c-755e57d88fa4" providerId="ADAL" clId="{B75947F4-66F3-4329-8B64-42C8055B8AF2}" dt="2024-11-24T19:43:44.281" v="1433" actId="478"/>
-          <ac:picMkLst>
-            <pc:docMk/>
-            <pc:sldMk cId="2208699283" sldId="263"/>
-            <ac:picMk id="6" creationId="{6523478A-B81E-8C07-7CAD-8EBB73E9A653}"/>
-          </ac:picMkLst>
-        </pc:picChg>
-        <pc:picChg chg="add mod ord">
-          <ac:chgData name="Aldacher, Muhammad" userId="12bec936-7d77-4747-ae5c-755e57d88fa4" providerId="ADAL" clId="{B75947F4-66F3-4329-8B64-42C8055B8AF2}" dt="2024-11-24T19:43:45.468" v="1434" actId="22"/>
-          <ac:picMkLst>
-            <pc:docMk/>
-            <pc:sldMk cId="2208699283" sldId="263"/>
-            <ac:picMk id="7" creationId="{C8409C48-7542-112A-819E-CBDCAB10DCA4}"/>
-          </ac:picMkLst>
-        </pc:picChg>
-      </pc:sldChg>
-      <pc:sldChg chg="addSp delSp modSp new mod ord">
-        <pc:chgData name="Aldacher, Muhammad" userId="12bec936-7d77-4747-ae5c-755e57d88fa4" providerId="ADAL" clId="{B75947F4-66F3-4329-8B64-42C8055B8AF2}" dt="2024-11-24T21:45:27.106" v="1797" actId="208"/>
-        <pc:sldMkLst>
-          <pc:docMk/>
-          <pc:sldMk cId="860180719" sldId="264"/>
-        </pc:sldMkLst>
-        <pc:spChg chg="mod">
-          <ac:chgData name="Aldacher, Muhammad" userId="12bec936-7d77-4747-ae5c-755e57d88fa4" providerId="ADAL" clId="{B75947F4-66F3-4329-8B64-42C8055B8AF2}" dt="2024-11-24T19:57:40.242" v="1689" actId="20577"/>
-          <ac:spMkLst>
-            <pc:docMk/>
-            <pc:sldMk cId="860180719" sldId="264"/>
-            <ac:spMk id="2" creationId="{E104A1EE-0C28-1E8A-1986-27C6852D4D1A}"/>
-          </ac:spMkLst>
-        </pc:spChg>
-        <pc:spChg chg="del">
-          <ac:chgData name="Aldacher, Muhammad" userId="12bec936-7d77-4747-ae5c-755e57d88fa4" providerId="ADAL" clId="{B75947F4-66F3-4329-8B64-42C8055B8AF2}" dt="2024-11-24T19:57:42.087" v="1690" actId="22"/>
-          <ac:spMkLst>
-            <pc:docMk/>
-            <pc:sldMk cId="860180719" sldId="264"/>
-            <ac:spMk id="3" creationId="{F70B914E-9C1E-7E45-213B-84DB2C72E8D9}"/>
-          </ac:spMkLst>
-        </pc:spChg>
-        <pc:spChg chg="add mod">
-          <ac:chgData name="Aldacher, Muhammad" userId="12bec936-7d77-4747-ae5c-755e57d88fa4" providerId="ADAL" clId="{B75947F4-66F3-4329-8B64-42C8055B8AF2}" dt="2024-11-24T21:45:23.458" v="1796" actId="1076"/>
-          <ac:spMkLst>
-            <pc:docMk/>
-            <pc:sldMk cId="860180719" sldId="264"/>
-            <ac:spMk id="8" creationId="{964C99A6-990B-1AB4-EF74-9F05F7C84468}"/>
-          </ac:spMkLst>
-        </pc:spChg>
-        <pc:picChg chg="add mod ord">
-          <ac:chgData name="Aldacher, Muhammad" userId="12bec936-7d77-4747-ae5c-755e57d88fa4" providerId="ADAL" clId="{B75947F4-66F3-4329-8B64-42C8055B8AF2}" dt="2024-11-24T21:45:23.458" v="1796" actId="1076"/>
-          <ac:picMkLst>
-            <pc:docMk/>
-            <pc:sldMk cId="860180719" sldId="264"/>
-            <ac:picMk id="5" creationId="{3035A2BD-4D75-CA48-C96C-5FC2E9537283}"/>
-          </ac:picMkLst>
-        </pc:picChg>
-        <pc:picChg chg="add mod">
-          <ac:chgData name="Aldacher, Muhammad" userId="12bec936-7d77-4747-ae5c-755e57d88fa4" providerId="ADAL" clId="{B75947F4-66F3-4329-8B64-42C8055B8AF2}" dt="2024-11-24T21:45:23.458" v="1796" actId="1076"/>
-          <ac:picMkLst>
-            <pc:docMk/>
-            <pc:sldMk cId="860180719" sldId="264"/>
-            <ac:picMk id="7" creationId="{6AB0C218-3CB4-4001-CF77-DA245156D76C}"/>
-          </ac:picMkLst>
-        </pc:picChg>
-        <pc:picChg chg="add mod">
-          <ac:chgData name="Aldacher, Muhammad" userId="12bec936-7d77-4747-ae5c-755e57d88fa4" providerId="ADAL" clId="{B75947F4-66F3-4329-8B64-42C8055B8AF2}" dt="2024-11-24T21:45:27.106" v="1797" actId="208"/>
-          <ac:picMkLst>
-            <pc:docMk/>
-            <pc:sldMk cId="860180719" sldId="264"/>
-            <ac:picMk id="12" creationId="{9D5E8BE2-B7F7-D2A6-2494-760888FB8157}"/>
-          </ac:picMkLst>
-        </pc:picChg>
-        <pc:cxnChg chg="add mod">
-          <ac:chgData name="Aldacher, Muhammad" userId="12bec936-7d77-4747-ae5c-755e57d88fa4" providerId="ADAL" clId="{B75947F4-66F3-4329-8B64-42C8055B8AF2}" dt="2024-11-24T21:45:23.458" v="1796" actId="1076"/>
-          <ac:cxnSpMkLst>
-            <pc:docMk/>
-            <pc:sldMk cId="860180719" sldId="264"/>
-            <ac:cxnSpMk id="10" creationId="{E1B044CE-9CC2-09FA-DF9C-E6B9932B5107}"/>
-          </ac:cxnSpMkLst>
-        </pc:cxnChg>
-      </pc:sldChg>
-      <pc:sldChg chg="addSp delSp modSp new mod">
-        <pc:chgData name="Aldacher, Muhammad" userId="12bec936-7d77-4747-ae5c-755e57d88fa4" providerId="ADAL" clId="{B75947F4-66F3-4329-8B64-42C8055B8AF2}" dt="2024-11-24T21:48:30.166" v="1826" actId="20577"/>
-        <pc:sldMkLst>
-          <pc:docMk/>
-          <pc:sldMk cId="906873431" sldId="265"/>
-        </pc:sldMkLst>
-        <pc:spChg chg="mod">
-          <ac:chgData name="Aldacher, Muhammad" userId="12bec936-7d77-4747-ae5c-755e57d88fa4" providerId="ADAL" clId="{B75947F4-66F3-4329-8B64-42C8055B8AF2}" dt="2024-11-24T21:48:30.166" v="1826" actId="20577"/>
-          <ac:spMkLst>
-            <pc:docMk/>
-            <pc:sldMk cId="906873431" sldId="265"/>
-            <ac:spMk id="2" creationId="{298DC44E-79E4-8186-0970-BC1B8EAEE84A}"/>
-          </ac:spMkLst>
-        </pc:spChg>
-        <pc:spChg chg="del">
-          <ac:chgData name="Aldacher, Muhammad" userId="12bec936-7d77-4747-ae5c-755e57d88fa4" providerId="ADAL" clId="{B75947F4-66F3-4329-8B64-42C8055B8AF2}" dt="2024-11-24T21:31:04.206" v="1770" actId="478"/>
-          <ac:spMkLst>
-            <pc:docMk/>
-            <pc:sldMk cId="906873431" sldId="265"/>
-            <ac:spMk id="3" creationId="{94B7FA55-1610-53B5-E5E3-D9E85694BFA2}"/>
-          </ac:spMkLst>
-        </pc:spChg>
-        <pc:spChg chg="add del mod">
-          <ac:chgData name="Aldacher, Muhammad" userId="12bec936-7d77-4747-ae5c-755e57d88fa4" providerId="ADAL" clId="{B75947F4-66F3-4329-8B64-42C8055B8AF2}" dt="2024-11-24T21:34:01.785" v="1781"/>
-          <ac:spMkLst>
-            <pc:docMk/>
-            <pc:sldMk cId="906873431" sldId="265"/>
-            <ac:spMk id="4" creationId="{9C7632F7-0FC2-9966-7754-F6CBF2259B59}"/>
-          </ac:spMkLst>
-        </pc:spChg>
-        <pc:spChg chg="add mod">
-          <ac:chgData name="Aldacher, Muhammad" userId="12bec936-7d77-4747-ae5c-755e57d88fa4" providerId="ADAL" clId="{B75947F4-66F3-4329-8B64-42C8055B8AF2}" dt="2024-11-24T21:36:15.099" v="1786" actId="20577"/>
-          <ac:spMkLst>
-            <pc:docMk/>
-            <pc:sldMk cId="906873431" sldId="265"/>
-            <ac:spMk id="7" creationId="{6C4BAD8F-458C-0ECA-74FA-3C0D1C2068AA}"/>
-          </ac:spMkLst>
-        </pc:spChg>
-        <pc:picChg chg="add del mod">
-          <ac:chgData name="Aldacher, Muhammad" userId="12bec936-7d77-4747-ae5c-755e57d88fa4" providerId="ADAL" clId="{B75947F4-66F3-4329-8B64-42C8055B8AF2}" dt="2024-11-24T21:35:41.246" v="1782" actId="478"/>
-          <ac:picMkLst>
-            <pc:docMk/>
-            <pc:sldMk cId="906873431" sldId="265"/>
-            <ac:picMk id="6" creationId="{FD10FCD2-20A7-ABED-BD00-3B16099CD086}"/>
-          </ac:picMkLst>
-        </pc:picChg>
-        <pc:picChg chg="add mod">
-          <ac:chgData name="Aldacher, Muhammad" userId="12bec936-7d77-4747-ae5c-755e57d88fa4" providerId="ADAL" clId="{B75947F4-66F3-4329-8B64-42C8055B8AF2}" dt="2024-11-24T21:40:24.985" v="1791" actId="1076"/>
-          <ac:picMkLst>
-            <pc:docMk/>
-            <pc:sldMk cId="906873431" sldId="265"/>
-            <ac:picMk id="9" creationId="{9EE5D02E-FAF5-D11B-53FD-8B1450265EB8}"/>
-          </ac:picMkLst>
-        </pc:picChg>
-        <pc:picChg chg="add mod">
-          <ac:chgData name="Aldacher, Muhammad" userId="12bec936-7d77-4747-ae5c-755e57d88fa4" providerId="ADAL" clId="{B75947F4-66F3-4329-8B64-42C8055B8AF2}" dt="2024-11-24T21:40:24.985" v="1791" actId="1076"/>
-          <ac:picMkLst>
-            <pc:docMk/>
-            <pc:sldMk cId="906873431" sldId="265"/>
-            <ac:picMk id="11" creationId="{756C4959-8EDD-2560-BB5D-9DCBD8B0075C}"/>
-          </ac:picMkLst>
-        </pc:picChg>
-        <pc:picChg chg="add mod">
-          <ac:chgData name="Aldacher, Muhammad" userId="12bec936-7d77-4747-ae5c-755e57d88fa4" providerId="ADAL" clId="{B75947F4-66F3-4329-8B64-42C8055B8AF2}" dt="2024-11-24T21:48:12.561" v="1801" actId="1076"/>
-          <ac:picMkLst>
-            <pc:docMk/>
-            <pc:sldMk cId="906873431" sldId="265"/>
-            <ac:picMk id="12" creationId="{720EB5C2-DC64-37DA-72F6-DFA3FF51DFBC}"/>
-          </ac:picMkLst>
-        </pc:picChg>
-      </pc:sldChg>
-      <pc:sldChg chg="addSp delSp modSp new mod">
-        <pc:chgData name="Aldacher, Muhammad" userId="12bec936-7d77-4747-ae5c-755e57d88fa4" providerId="ADAL" clId="{B75947F4-66F3-4329-8B64-42C8055B8AF2}" dt="2024-11-26T00:16:03.870" v="2378" actId="688"/>
-        <pc:sldMkLst>
-          <pc:docMk/>
-          <pc:sldMk cId="2501504381" sldId="266"/>
-        </pc:sldMkLst>
-        <pc:spChg chg="mod">
-          <ac:chgData name="Aldacher, Muhammad" userId="12bec936-7d77-4747-ae5c-755e57d88fa4" providerId="ADAL" clId="{B75947F4-66F3-4329-8B64-42C8055B8AF2}" dt="2024-11-24T21:48:52.977" v="1838" actId="20577"/>
-          <ac:spMkLst>
-            <pc:docMk/>
-            <pc:sldMk cId="2501504381" sldId="266"/>
-            <ac:spMk id="2" creationId="{7376B0CA-D84E-8FA6-4F4C-4CE37FC52889}"/>
-          </ac:spMkLst>
-        </pc:spChg>
-        <pc:spChg chg="del">
-          <ac:chgData name="Aldacher, Muhammad" userId="12bec936-7d77-4747-ae5c-755e57d88fa4" providerId="ADAL" clId="{B75947F4-66F3-4329-8B64-42C8055B8AF2}" dt="2024-11-24T21:49:34.520" v="1839" actId="22"/>
-          <ac:spMkLst>
-            <pc:docMk/>
-            <pc:sldMk cId="2501504381" sldId="266"/>
-            <ac:spMk id="3" creationId="{2F0C6F0A-822B-7092-4C86-E9D7E4C8AA29}"/>
-          </ac:spMkLst>
-        </pc:spChg>
-        <pc:spChg chg="add mod">
-          <ac:chgData name="Aldacher, Muhammad" userId="12bec936-7d77-4747-ae5c-755e57d88fa4" providerId="ADAL" clId="{B75947F4-66F3-4329-8B64-42C8055B8AF2}" dt="2024-11-26T00:15:02.689" v="2369" actId="1076"/>
-          <ac:spMkLst>
-            <pc:docMk/>
-            <pc:sldMk cId="2501504381" sldId="266"/>
-            <ac:spMk id="11" creationId="{8EFCE82A-4D83-9CB7-80E9-8DEB972A0D8A}"/>
-          </ac:spMkLst>
-        </pc:spChg>
-        <pc:spChg chg="add mod">
-          <ac:chgData name="Aldacher, Muhammad" userId="12bec936-7d77-4747-ae5c-755e57d88fa4" providerId="ADAL" clId="{B75947F4-66F3-4329-8B64-42C8055B8AF2}" dt="2024-11-26T00:16:03.870" v="2378" actId="688"/>
-          <ac:spMkLst>
-            <pc:docMk/>
-            <pc:sldMk cId="2501504381" sldId="266"/>
-            <ac:spMk id="12" creationId="{A7AA156E-C305-C722-AB46-FE61475B1067}"/>
-          </ac:spMkLst>
-        </pc:spChg>
-        <pc:picChg chg="add mod">
-          <ac:chgData name="Aldacher, Muhammad" userId="12bec936-7d77-4747-ae5c-755e57d88fa4" providerId="ADAL" clId="{B75947F4-66F3-4329-8B64-42C8055B8AF2}" dt="2024-11-26T00:15:07.814" v="2370" actId="1076"/>
-          <ac:picMkLst>
-            <pc:docMk/>
-            <pc:sldMk cId="2501504381" sldId="266"/>
-            <ac:picMk id="4" creationId="{331A3728-C093-EF23-14D0-9D830EA98ED7}"/>
-          </ac:picMkLst>
-        </pc:picChg>
-        <pc:picChg chg="add mod ord">
-          <ac:chgData name="Aldacher, Muhammad" userId="12bec936-7d77-4747-ae5c-755e57d88fa4" providerId="ADAL" clId="{B75947F4-66F3-4329-8B64-42C8055B8AF2}" dt="2024-11-24T21:50:25.763" v="1848" actId="1076"/>
-          <ac:picMkLst>
-            <pc:docMk/>
-            <pc:sldMk cId="2501504381" sldId="266"/>
-            <ac:picMk id="5" creationId="{FFC29BC9-8446-90EC-B2DE-6D0BD0CD5535}"/>
-          </ac:picMkLst>
-        </pc:picChg>
-        <pc:picChg chg="add mod">
-          <ac:chgData name="Aldacher, Muhammad" userId="12bec936-7d77-4747-ae5c-755e57d88fa4" providerId="ADAL" clId="{B75947F4-66F3-4329-8B64-42C8055B8AF2}" dt="2024-11-26T00:15:02.689" v="2369" actId="1076"/>
-          <ac:picMkLst>
-            <pc:docMk/>
-            <pc:sldMk cId="2501504381" sldId="266"/>
-            <ac:picMk id="7" creationId="{20B5E25C-6E2A-28BC-1E08-66FA6955EB6B}"/>
-          </ac:picMkLst>
-        </pc:picChg>
-        <pc:picChg chg="add mod">
-          <ac:chgData name="Aldacher, Muhammad" userId="12bec936-7d77-4747-ae5c-755e57d88fa4" providerId="ADAL" clId="{B75947F4-66F3-4329-8B64-42C8055B8AF2}" dt="2024-11-26T00:15:07.814" v="2370" actId="1076"/>
-          <ac:picMkLst>
-            <pc:docMk/>
-            <pc:sldMk cId="2501504381" sldId="266"/>
-            <ac:picMk id="8" creationId="{F33FA5CA-267F-A274-2836-FFAA220D763D}"/>
-          </ac:picMkLst>
-        </pc:picChg>
-        <pc:cxnChg chg="add mod">
-          <ac:chgData name="Aldacher, Muhammad" userId="12bec936-7d77-4747-ae5c-755e57d88fa4" providerId="ADAL" clId="{B75947F4-66F3-4329-8B64-42C8055B8AF2}" dt="2024-11-26T00:15:10.560" v="2371" actId="14100"/>
-          <ac:cxnSpMkLst>
-            <pc:docMk/>
-            <pc:sldMk cId="2501504381" sldId="266"/>
-            <ac:cxnSpMk id="9" creationId="{06DA823D-56C8-ED24-4BF3-7A4C1D1A34DF}"/>
-          </ac:cxnSpMkLst>
-        </pc:cxnChg>
-      </pc:sldChg>
-      <pc:sldChg chg="addSp delSp modSp new mod">
-        <pc:chgData name="Aldacher, Muhammad" userId="12bec936-7d77-4747-ae5c-755e57d88fa4" providerId="ADAL" clId="{B75947F4-66F3-4329-8B64-42C8055B8AF2}" dt="2024-11-25T04:39:03.455" v="2270" actId="1076"/>
-        <pc:sldMkLst>
-          <pc:docMk/>
-          <pc:sldMk cId="1839938377" sldId="267"/>
-        </pc:sldMkLst>
-        <pc:spChg chg="mod">
-          <ac:chgData name="Aldacher, Muhammad" userId="12bec936-7d77-4747-ae5c-755e57d88fa4" providerId="ADAL" clId="{B75947F4-66F3-4329-8B64-42C8055B8AF2}" dt="2024-11-25T04:30:20.078" v="2099" actId="1076"/>
-          <ac:spMkLst>
-            <pc:docMk/>
-            <pc:sldMk cId="1839938377" sldId="267"/>
-            <ac:spMk id="2" creationId="{8DABCE1D-C99A-6E18-BA81-BF6DC9B45F37}"/>
-          </ac:spMkLst>
-        </pc:spChg>
-        <pc:spChg chg="del">
-          <ac:chgData name="Aldacher, Muhammad" userId="12bec936-7d77-4747-ae5c-755e57d88fa4" providerId="ADAL" clId="{B75947F4-66F3-4329-8B64-42C8055B8AF2}" dt="2024-11-25T00:59:30.661" v="1999" actId="22"/>
-          <ac:spMkLst>
-            <pc:docMk/>
-            <pc:sldMk cId="1839938377" sldId="267"/>
-            <ac:spMk id="3" creationId="{DDB42AF3-5620-BA41-6A42-342FEB056ABD}"/>
-          </ac:spMkLst>
-        </pc:spChg>
-        <pc:spChg chg="add del mod">
-          <ac:chgData name="Aldacher, Muhammad" userId="12bec936-7d77-4747-ae5c-755e57d88fa4" providerId="ADAL" clId="{B75947F4-66F3-4329-8B64-42C8055B8AF2}" dt="2024-11-25T01:03:05.036" v="2072" actId="478"/>
-          <ac:spMkLst>
-            <pc:docMk/>
-            <pc:sldMk cId="1839938377" sldId="267"/>
-            <ac:spMk id="4" creationId="{26C28991-DF50-5B9F-7906-36EBAAE44008}"/>
-          </ac:spMkLst>
-        </pc:spChg>
-        <pc:spChg chg="add del mod">
-          <ac:chgData name="Aldacher, Muhammad" userId="12bec936-7d77-4747-ae5c-755e57d88fa4" providerId="ADAL" clId="{B75947F4-66F3-4329-8B64-42C8055B8AF2}" dt="2024-11-25T01:20:36.844" v="2088" actId="478"/>
-          <ac:spMkLst>
-            <pc:docMk/>
-            <pc:sldMk cId="1839938377" sldId="267"/>
-            <ac:spMk id="7" creationId="{A1D41447-F559-AD0F-9AFA-9EAEDF9B27A4}"/>
-          </ac:spMkLst>
-        </pc:spChg>
-        <pc:spChg chg="add del mod">
-          <ac:chgData name="Aldacher, Muhammad" userId="12bec936-7d77-4747-ae5c-755e57d88fa4" providerId="ADAL" clId="{B75947F4-66F3-4329-8B64-42C8055B8AF2}" dt="2024-11-25T01:20:36.844" v="2088" actId="478"/>
-          <ac:spMkLst>
-            <pc:docMk/>
-            <pc:sldMk cId="1839938377" sldId="267"/>
-            <ac:spMk id="8" creationId="{EF4F6DC3-4D23-8BE9-D603-AA0199C9125C}"/>
-          </ac:spMkLst>
-        </pc:spChg>
-        <pc:spChg chg="add del mod">
-          <ac:chgData name="Aldacher, Muhammad" userId="12bec936-7d77-4747-ae5c-755e57d88fa4" providerId="ADAL" clId="{B75947F4-66F3-4329-8B64-42C8055B8AF2}" dt="2024-11-25T01:20:36.844" v="2088" actId="478"/>
-          <ac:spMkLst>
-            <pc:docMk/>
-            <pc:sldMk cId="1839938377" sldId="267"/>
-            <ac:spMk id="11" creationId="{6B1A35A1-7D27-7949-E6CE-266B7997A97F}"/>
-          </ac:spMkLst>
-        </pc:spChg>
-        <pc:spChg chg="add del mod">
-          <ac:chgData name="Aldacher, Muhammad" userId="12bec936-7d77-4747-ae5c-755e57d88fa4" providerId="ADAL" clId="{B75947F4-66F3-4329-8B64-42C8055B8AF2}" dt="2024-11-25T01:20:41.081" v="2089" actId="478"/>
-          <ac:spMkLst>
-            <pc:docMk/>
-            <pc:sldMk cId="1839938377" sldId="267"/>
-            <ac:spMk id="13" creationId="{95EE1191-52C9-4CD0-26EA-8E65D652EC52}"/>
-          </ac:spMkLst>
-        </pc:spChg>
-        <pc:spChg chg="add mod">
-          <ac:chgData name="Aldacher, Muhammad" userId="12bec936-7d77-4747-ae5c-755e57d88fa4" providerId="ADAL" clId="{B75947F4-66F3-4329-8B64-42C8055B8AF2}" dt="2024-11-25T04:39:03.455" v="2270" actId="1076"/>
-          <ac:spMkLst>
-            <pc:docMk/>
-            <pc:sldMk cId="1839938377" sldId="267"/>
-            <ac:spMk id="14" creationId="{26C28991-DF50-5B9F-7906-36EBAAE44008}"/>
-          </ac:spMkLst>
-        </pc:spChg>
-        <pc:spChg chg="add mod">
-          <ac:chgData name="Aldacher, Muhammad" userId="12bec936-7d77-4747-ae5c-755e57d88fa4" providerId="ADAL" clId="{B75947F4-66F3-4329-8B64-42C8055B8AF2}" dt="2024-11-25T04:36:59.957" v="2148" actId="1076"/>
-          <ac:spMkLst>
-            <pc:docMk/>
-            <pc:sldMk cId="1839938377" sldId="267"/>
-            <ac:spMk id="19" creationId="{8F6F13C8-DBD1-5E9C-A64E-7442B437E892}"/>
-          </ac:spMkLst>
-        </pc:spChg>
-        <pc:spChg chg="add mod">
-          <ac:chgData name="Aldacher, Muhammad" userId="12bec936-7d77-4747-ae5c-755e57d88fa4" providerId="ADAL" clId="{B75947F4-66F3-4329-8B64-42C8055B8AF2}" dt="2024-11-25T04:38:37.552" v="2267" actId="255"/>
-          <ac:spMkLst>
-            <pc:docMk/>
-            <pc:sldMk cId="1839938377" sldId="267"/>
-            <ac:spMk id="20" creationId="{2FF584A1-D1AA-92A8-C1AB-D4A5D0A21CAC}"/>
-          </ac:spMkLst>
-        </pc:spChg>
-        <pc:picChg chg="add del mod ord">
-          <ac:chgData name="Aldacher, Muhammad" userId="12bec936-7d77-4747-ae5c-755e57d88fa4" providerId="ADAL" clId="{B75947F4-66F3-4329-8B64-42C8055B8AF2}" dt="2024-11-25T01:20:36.844" v="2088" actId="478"/>
-          <ac:picMkLst>
-            <pc:docMk/>
-            <pc:sldMk cId="1839938377" sldId="267"/>
-            <ac:picMk id="6" creationId="{B8732702-8425-4BFD-8D92-FA98C4E10BC5}"/>
-          </ac:picMkLst>
-        </pc:picChg>
-        <pc:picChg chg="add mod">
-          <ac:chgData name="Aldacher, Muhammad" userId="12bec936-7d77-4747-ae5c-755e57d88fa4" providerId="ADAL" clId="{B75947F4-66F3-4329-8B64-42C8055B8AF2}" dt="2024-11-25T04:31:58.392" v="2106" actId="1076"/>
-          <ac:picMkLst>
-            <pc:docMk/>
-            <pc:sldMk cId="1839938377" sldId="267"/>
-            <ac:picMk id="16" creationId="{690344F6-5C1F-A412-7D0F-503DB14ED71F}"/>
-          </ac:picMkLst>
-        </pc:picChg>
-        <pc:picChg chg="add mod">
-          <ac:chgData name="Aldacher, Muhammad" userId="12bec936-7d77-4747-ae5c-755e57d88fa4" providerId="ADAL" clId="{B75947F4-66F3-4329-8B64-42C8055B8AF2}" dt="2024-11-25T04:31:58.392" v="2106" actId="1076"/>
-          <ac:picMkLst>
-            <pc:docMk/>
-            <pc:sldMk cId="1839938377" sldId="267"/>
-            <ac:picMk id="18" creationId="{AACF9348-1EDE-4CBB-979A-0BDE326C8DBE}"/>
-          </ac:picMkLst>
-        </pc:picChg>
-        <pc:cxnChg chg="add del mod">
-          <ac:chgData name="Aldacher, Muhammad" userId="12bec936-7d77-4747-ae5c-755e57d88fa4" providerId="ADAL" clId="{B75947F4-66F3-4329-8B64-42C8055B8AF2}" dt="2024-11-25T01:20:36.844" v="2088" actId="478"/>
-          <ac:cxnSpMkLst>
-            <pc:docMk/>
-            <pc:sldMk cId="1839938377" sldId="267"/>
-            <ac:cxnSpMk id="10" creationId="{DCABA7D8-6B93-8FCB-BBE3-5C54341560BF}"/>
-          </ac:cxnSpMkLst>
-        </pc:cxnChg>
-      </pc:sldChg>
-      <pc:sldChg chg="modSp add mod">
-        <pc:chgData name="Aldacher, Muhammad" userId="12bec936-7d77-4747-ae5c-755e57d88fa4" providerId="ADAL" clId="{B75947F4-66F3-4329-8B64-42C8055B8AF2}" dt="2024-11-24T22:22:27.086" v="1950"/>
-        <pc:sldMkLst>
-          <pc:docMk/>
-          <pc:sldMk cId="993240510" sldId="268"/>
-        </pc:sldMkLst>
-        <pc:spChg chg="mod">
-          <ac:chgData name="Aldacher, Muhammad" userId="12bec936-7d77-4747-ae5c-755e57d88fa4" providerId="ADAL" clId="{B75947F4-66F3-4329-8B64-42C8055B8AF2}" dt="2024-11-24T22:22:27.086" v="1950"/>
-          <ac:spMkLst>
-            <pc:docMk/>
-            <pc:sldMk cId="993240510" sldId="268"/>
-            <ac:spMk id="2" creationId="{99874354-0B93-9A50-DDB4-408E2D577F59}"/>
-          </ac:spMkLst>
-        </pc:spChg>
-      </pc:sldChg>
-      <pc:sldChg chg="delSp modSp add mod ord">
-        <pc:chgData name="Aldacher, Muhammad" userId="12bec936-7d77-4747-ae5c-755e57d88fa4" providerId="ADAL" clId="{B75947F4-66F3-4329-8B64-42C8055B8AF2}" dt="2024-11-25T04:30:43.425" v="2101" actId="1076"/>
-        <pc:sldMkLst>
-          <pc:docMk/>
-          <pc:sldMk cId="4117462994" sldId="269"/>
-        </pc:sldMkLst>
-        <pc:spChg chg="mod">
-          <ac:chgData name="Aldacher, Muhammad" userId="12bec936-7d77-4747-ae5c-755e57d88fa4" providerId="ADAL" clId="{B75947F4-66F3-4329-8B64-42C8055B8AF2}" dt="2024-11-25T04:30:28.442" v="2100" actId="1076"/>
-          <ac:spMkLst>
-            <pc:docMk/>
-            <pc:sldMk cId="4117462994" sldId="269"/>
-            <ac:spMk id="2" creationId="{8DABCE1D-C99A-6E18-BA81-BF6DC9B45F37}"/>
-          </ac:spMkLst>
-        </pc:spChg>
-        <pc:spChg chg="del">
-          <ac:chgData name="Aldacher, Muhammad" userId="12bec936-7d77-4747-ae5c-755e57d88fa4" providerId="ADAL" clId="{B75947F4-66F3-4329-8B64-42C8055B8AF2}" dt="2024-11-25T01:41:48.707" v="2090" actId="21"/>
-          <ac:spMkLst>
-            <pc:docMk/>
-            <pc:sldMk cId="4117462994" sldId="269"/>
-            <ac:spMk id="4" creationId="{26C28991-DF50-5B9F-7906-36EBAAE44008}"/>
-          </ac:spMkLst>
-        </pc:spChg>
-        <pc:spChg chg="mod">
-          <ac:chgData name="Aldacher, Muhammad" userId="12bec936-7d77-4747-ae5c-755e57d88fa4" providerId="ADAL" clId="{B75947F4-66F3-4329-8B64-42C8055B8AF2}" dt="2024-11-25T04:30:43.425" v="2101" actId="1076"/>
-          <ac:spMkLst>
-            <pc:docMk/>
-            <pc:sldMk cId="4117462994" sldId="269"/>
-            <ac:spMk id="7" creationId="{A1D41447-F559-AD0F-9AFA-9EAEDF9B27A4}"/>
-          </ac:spMkLst>
-        </pc:spChg>
-        <pc:spChg chg="mod">
-          <ac:chgData name="Aldacher, Muhammad" userId="12bec936-7d77-4747-ae5c-755e57d88fa4" providerId="ADAL" clId="{B75947F4-66F3-4329-8B64-42C8055B8AF2}" dt="2024-11-25T04:30:43.425" v="2101" actId="1076"/>
-          <ac:spMkLst>
-            <pc:docMk/>
-            <pc:sldMk cId="4117462994" sldId="269"/>
-            <ac:spMk id="8" creationId="{EF4F6DC3-4D23-8BE9-D603-AA0199C9125C}"/>
-          </ac:spMkLst>
-        </pc:spChg>
-        <pc:spChg chg="mod">
-          <ac:chgData name="Aldacher, Muhammad" userId="12bec936-7d77-4747-ae5c-755e57d88fa4" providerId="ADAL" clId="{B75947F4-66F3-4329-8B64-42C8055B8AF2}" dt="2024-11-25T04:30:43.425" v="2101" actId="1076"/>
-          <ac:spMkLst>
-            <pc:docMk/>
-            <pc:sldMk cId="4117462994" sldId="269"/>
-            <ac:spMk id="11" creationId="{6B1A35A1-7D27-7949-E6CE-266B7997A97F}"/>
-          </ac:spMkLst>
-        </pc:spChg>
-        <pc:picChg chg="mod">
-          <ac:chgData name="Aldacher, Muhammad" userId="12bec936-7d77-4747-ae5c-755e57d88fa4" providerId="ADAL" clId="{B75947F4-66F3-4329-8B64-42C8055B8AF2}" dt="2024-11-25T04:30:43.425" v="2101" actId="1076"/>
-          <ac:picMkLst>
-            <pc:docMk/>
-            <pc:sldMk cId="4117462994" sldId="269"/>
-            <ac:picMk id="6" creationId="{B8732702-8425-4BFD-8D92-FA98C4E10BC5}"/>
-          </ac:picMkLst>
-        </pc:picChg>
-        <pc:cxnChg chg="mod">
-          <ac:chgData name="Aldacher, Muhammad" userId="12bec936-7d77-4747-ae5c-755e57d88fa4" providerId="ADAL" clId="{B75947F4-66F3-4329-8B64-42C8055B8AF2}" dt="2024-11-25T04:30:43.425" v="2101" actId="1076"/>
-          <ac:cxnSpMkLst>
-            <pc:docMk/>
-            <pc:sldMk cId="4117462994" sldId="269"/>
-            <ac:cxnSpMk id="10" creationId="{DCABA7D8-6B93-8FCB-BBE3-5C54341560BF}"/>
-          </ac:cxnSpMkLst>
-        </pc:cxnChg>
-      </pc:sldChg>
-      <pc:sldChg chg="new del">
-        <pc:chgData name="Aldacher, Muhammad" userId="12bec936-7d77-4747-ae5c-755e57d88fa4" providerId="ADAL" clId="{B75947F4-66F3-4329-8B64-42C8055B8AF2}" dt="2024-11-25T04:41:02.607" v="2272" actId="47"/>
-        <pc:sldMkLst>
-          <pc:docMk/>
-          <pc:sldMk cId="1199459987" sldId="270"/>
-        </pc:sldMkLst>
       </pc:sldChg>
     </pc:docChg>
   </pc:docChgLst>
@@ -2950,7 +2950,7 @@
           <a:p>
             <a:fld id="{D00BD66A-C5D4-4379-BEBF-0A5FBD4DBC2A}" type="datetimeFigureOut">
               <a:rPr lang="en-US" smtClean="0"/>
-              <a:t>11/27/2024</a:t>
+              <a:t>12/16/2025</a:t>
             </a:fld>
             <a:endParaRPr lang="en-US"/>
           </a:p>
@@ -3448,7 +3448,7 @@
           <a:p>
             <a:fld id="{FCCF80D7-7F2E-4CD2-A5D0-49B6E9BEAF6B}" type="datetimeFigureOut">
               <a:rPr lang="en-US" smtClean="0"/>
-              <a:t>11/27/2024</a:t>
+              <a:t>12/16/2025</a:t>
             </a:fld>
             <a:endParaRPr lang="en-US"/>
           </a:p>
@@ -3646,7 +3646,7 @@
           <a:p>
             <a:fld id="{FCCF80D7-7F2E-4CD2-A5D0-49B6E9BEAF6B}" type="datetimeFigureOut">
               <a:rPr lang="en-US" smtClean="0"/>
-              <a:t>11/27/2024</a:t>
+              <a:t>12/16/2025</a:t>
             </a:fld>
             <a:endParaRPr lang="en-US"/>
           </a:p>
@@ -3854,7 +3854,7 @@
           <a:p>
             <a:fld id="{FCCF80D7-7F2E-4CD2-A5D0-49B6E9BEAF6B}" type="datetimeFigureOut">
               <a:rPr lang="en-US" smtClean="0"/>
-              <a:t>11/27/2024</a:t>
+              <a:t>12/16/2025</a:t>
             </a:fld>
             <a:endParaRPr lang="en-US"/>
           </a:p>
@@ -4052,7 +4052,7 @@
           <a:p>
             <a:fld id="{FCCF80D7-7F2E-4CD2-A5D0-49B6E9BEAF6B}" type="datetimeFigureOut">
               <a:rPr lang="en-US" smtClean="0"/>
-              <a:t>11/27/2024</a:t>
+              <a:t>12/16/2025</a:t>
             </a:fld>
             <a:endParaRPr lang="en-US"/>
           </a:p>
@@ -4327,7 +4327,7 @@
           <a:p>
             <a:fld id="{FCCF80D7-7F2E-4CD2-A5D0-49B6E9BEAF6B}" type="datetimeFigureOut">
               <a:rPr lang="en-US" smtClean="0"/>
-              <a:t>11/27/2024</a:t>
+              <a:t>12/16/2025</a:t>
             </a:fld>
             <a:endParaRPr lang="en-US"/>
           </a:p>
@@ -4592,7 +4592,7 @@
           <a:p>
             <a:fld id="{FCCF80D7-7F2E-4CD2-A5D0-49B6E9BEAF6B}" type="datetimeFigureOut">
               <a:rPr lang="en-US" smtClean="0"/>
-              <a:t>11/27/2024</a:t>
+              <a:t>12/16/2025</a:t>
             </a:fld>
             <a:endParaRPr lang="en-US"/>
           </a:p>
@@ -5004,7 +5004,7 @@
           <a:p>
             <a:fld id="{FCCF80D7-7F2E-4CD2-A5D0-49B6E9BEAF6B}" type="datetimeFigureOut">
               <a:rPr lang="en-US" smtClean="0"/>
-              <a:t>11/27/2024</a:t>
+              <a:t>12/16/2025</a:t>
             </a:fld>
             <a:endParaRPr lang="en-US"/>
           </a:p>
@@ -5145,7 +5145,7 @@
           <a:p>
             <a:fld id="{FCCF80D7-7F2E-4CD2-A5D0-49B6E9BEAF6B}" type="datetimeFigureOut">
               <a:rPr lang="en-US" smtClean="0"/>
-              <a:t>11/27/2024</a:t>
+              <a:t>12/16/2025</a:t>
             </a:fld>
             <a:endParaRPr lang="en-US"/>
           </a:p>
@@ -5258,7 +5258,7 @@
           <a:p>
             <a:fld id="{FCCF80D7-7F2E-4CD2-A5D0-49B6E9BEAF6B}" type="datetimeFigureOut">
               <a:rPr lang="en-US" smtClean="0"/>
-              <a:t>11/27/2024</a:t>
+              <a:t>12/16/2025</a:t>
             </a:fld>
             <a:endParaRPr lang="en-US"/>
           </a:p>
@@ -5569,7 +5569,7 @@
           <a:p>
             <a:fld id="{FCCF80D7-7F2E-4CD2-A5D0-49B6E9BEAF6B}" type="datetimeFigureOut">
               <a:rPr lang="en-US" smtClean="0"/>
-              <a:t>11/27/2024</a:t>
+              <a:t>12/16/2025</a:t>
             </a:fld>
             <a:endParaRPr lang="en-US"/>
           </a:p>
@@ -5857,7 +5857,7 @@
           <a:p>
             <a:fld id="{FCCF80D7-7F2E-4CD2-A5D0-49B6E9BEAF6B}" type="datetimeFigureOut">
               <a:rPr lang="en-US" smtClean="0"/>
-              <a:t>11/27/2024</a:t>
+              <a:t>12/16/2025</a:t>
             </a:fld>
             <a:endParaRPr lang="en-US"/>
           </a:p>
@@ -6098,7 +6098,7 @@
           <a:p>
             <a:fld id="{FCCF80D7-7F2E-4CD2-A5D0-49B6E9BEAF6B}" type="datetimeFigureOut">
               <a:rPr lang="en-US" smtClean="0"/>
-              <a:t>11/27/2024</a:t>
+              <a:t>12/16/2025</a:t>
             </a:fld>
             <a:endParaRPr lang="en-US"/>
           </a:p>
@@ -10247,7 +10247,7 @@
                   <a:schemeClr val="accent2"/>
                 </a:solidFill>
               </a:rPr>
-              <a:t>Vb2</a:t>
+              <a:t>Vb1</a:t>
             </a:r>
           </a:p>
         </p:txBody>
@@ -11346,7 +11346,7 @@
                   <a:schemeClr val="accent2"/>
                 </a:solidFill>
               </a:rPr>
-              <a:t>Vb2</a:t>
+              <a:t>Vb1</a:t>
             </a:r>
           </a:p>
         </p:txBody>
